--- a/高松　企画書.pptx
+++ b/高松　企画書.pptx
@@ -6812,7 +6812,7 @@
         <p:spPr>
           <a:xfrm>
             <a:off x="7364962" y="3258465"/>
-            <a:ext cx="3766458" cy="923330"/>
+            <a:ext cx="3766458" cy="1200329"/>
           </a:xfrm>
           <a:prstGeom prst="rect">
             <a:avLst/>
@@ -6854,6 +6854,25 @@
                 </a:solidFill>
               </a:rPr>
               <a:t>ジャンプ</a:t>
+            </a:r>
+            <a:endParaRPr lang="en-US" altLang="ja-JP" dirty="0" smtClean="0">
+              <a:solidFill>
+                <a:prstClr val="black"/>
+              </a:solidFill>
+            </a:endParaRPr>
+          </a:p>
+          <a:p>
+            <a:pPr marL="285750" lvl="0" indent="-285750">
+              <a:buFont typeface="Arial" panose="020B0604020202020204" pitchFamily="34" charset="0"/>
+              <a:buChar char="•"/>
+            </a:pPr>
+            <a:r>
+              <a:rPr lang="ja-JP" altLang="en-US" dirty="0">
+                <a:solidFill>
+                  <a:prstClr val="black"/>
+                </a:solidFill>
+              </a:rPr>
+              <a:t>調べる</a:t>
             </a:r>
             <a:endParaRPr lang="en-US" altLang="ja-JP" dirty="0" smtClean="0">
               <a:solidFill>

--- a/高松　企画書.pptx
+++ b/高松　企画書.pptx
@@ -4,10 +4,16 @@
   <p:sldMasterIdLst>
     <p:sldMasterId id="2147483660" r:id="rId1"/>
   </p:sldMasterIdLst>
+  <p:notesMasterIdLst>
+    <p:notesMasterId r:id="rId8"/>
+  </p:notesMasterIdLst>
   <p:sldIdLst>
     <p:sldId id="256" r:id="rId2"/>
     <p:sldId id="258" r:id="rId3"/>
     <p:sldId id="257" r:id="rId4"/>
+    <p:sldId id="259" r:id="rId5"/>
+    <p:sldId id="260" r:id="rId6"/>
+    <p:sldId id="261" r:id="rId7"/>
   </p:sldIdLst>
   <p:sldSz cx="12192000" cy="6858000"/>
   <p:notesSz cx="6858000" cy="9144000"/>
@@ -112,6 +118,472 @@
     </p:ext>
   </p:extLst>
 </p:presentation>
+</file>
+
+<file path=ppt/notesMasters/notesMaster1.xml><?xml version="1.0" encoding="utf-8"?>
+<p:notesMaster xmlns:a="http://schemas.openxmlformats.org/drawingml/2006/main" xmlns:r="http://schemas.openxmlformats.org/officeDocument/2006/relationships" xmlns:p="http://schemas.openxmlformats.org/presentationml/2006/main">
+  <p:cSld>
+    <p:bg>
+      <p:bgRef idx="1001">
+        <a:schemeClr val="bg1"/>
+      </p:bgRef>
+    </p:bg>
+    <p:spTree>
+      <p:nvGrpSpPr>
+        <p:cNvPr id="1" name=""/>
+        <p:cNvGrpSpPr/>
+        <p:nvPr/>
+      </p:nvGrpSpPr>
+      <p:grpSpPr>
+        <a:xfrm>
+          <a:off x="0" y="0"/>
+          <a:ext cx="0" cy="0"/>
+          <a:chOff x="0" y="0"/>
+          <a:chExt cx="0" cy="0"/>
+        </a:xfrm>
+      </p:grpSpPr>
+      <p:sp>
+        <p:nvSpPr>
+          <p:cNvPr id="2" name="ヘッダー プレースホルダー 1"/>
+          <p:cNvSpPr>
+            <a:spLocks noGrp="1"/>
+          </p:cNvSpPr>
+          <p:nvPr>
+            <p:ph type="hdr" sz="quarter"/>
+          </p:nvPr>
+        </p:nvSpPr>
+        <p:spPr>
+          <a:xfrm>
+            <a:off x="0" y="0"/>
+            <a:ext cx="2971800" cy="458788"/>
+          </a:xfrm>
+          <a:prstGeom prst="rect">
+            <a:avLst/>
+          </a:prstGeom>
+        </p:spPr>
+        <p:txBody>
+          <a:bodyPr vert="horz" lIns="91440" tIns="45720" rIns="91440" bIns="45720" rtlCol="0"/>
+          <a:lstStyle>
+            <a:lvl1pPr algn="l">
+              <a:defRPr sz="1200"/>
+            </a:lvl1pPr>
+          </a:lstStyle>
+          <a:p>
+            <a:endParaRPr kumimoji="1" lang="ja-JP" altLang="en-US"/>
+          </a:p>
+        </p:txBody>
+      </p:sp>
+      <p:sp>
+        <p:nvSpPr>
+          <p:cNvPr id="3" name="日付プレースホルダー 2"/>
+          <p:cNvSpPr>
+            <a:spLocks noGrp="1"/>
+          </p:cNvSpPr>
+          <p:nvPr>
+            <p:ph type="dt" idx="1"/>
+          </p:nvPr>
+        </p:nvSpPr>
+        <p:spPr>
+          <a:xfrm>
+            <a:off x="3884613" y="0"/>
+            <a:ext cx="2971800" cy="458788"/>
+          </a:xfrm>
+          <a:prstGeom prst="rect">
+            <a:avLst/>
+          </a:prstGeom>
+        </p:spPr>
+        <p:txBody>
+          <a:bodyPr vert="horz" lIns="91440" tIns="45720" rIns="91440" bIns="45720" rtlCol="0"/>
+          <a:lstStyle>
+            <a:lvl1pPr algn="r">
+              <a:defRPr sz="1200"/>
+            </a:lvl1pPr>
+          </a:lstStyle>
+          <a:p>
+            <a:fld id="{0500F34C-7F0A-4D87-8FCD-C562DDBE3B3B}" type="datetimeFigureOut">
+              <a:rPr kumimoji="1" lang="ja-JP" altLang="en-US" smtClean="0"/>
+              <a:t>2023/3/2</a:t>
+            </a:fld>
+            <a:endParaRPr kumimoji="1" lang="ja-JP" altLang="en-US"/>
+          </a:p>
+        </p:txBody>
+      </p:sp>
+      <p:sp>
+        <p:nvSpPr>
+          <p:cNvPr id="4" name="スライド イメージ プレースホルダー 3"/>
+          <p:cNvSpPr>
+            <a:spLocks noGrp="1" noRot="1" noChangeAspect="1"/>
+          </p:cNvSpPr>
+          <p:nvPr>
+            <p:ph type="sldImg" idx="2"/>
+          </p:nvPr>
+        </p:nvSpPr>
+        <p:spPr>
+          <a:xfrm>
+            <a:off x="685800" y="1143000"/>
+            <a:ext cx="5486400" cy="3086100"/>
+          </a:xfrm>
+          <a:prstGeom prst="rect">
+            <a:avLst/>
+          </a:prstGeom>
+          <a:noFill/>
+          <a:ln w="12700">
+            <a:solidFill>
+              <a:prstClr val="black"/>
+            </a:solidFill>
+          </a:ln>
+        </p:spPr>
+        <p:txBody>
+          <a:bodyPr vert="horz" lIns="91440" tIns="45720" rIns="91440" bIns="45720" rtlCol="0" anchor="ctr"/>
+          <a:lstStyle/>
+          <a:p>
+            <a:endParaRPr lang="ja-JP" altLang="en-US"/>
+          </a:p>
+        </p:txBody>
+      </p:sp>
+      <p:sp>
+        <p:nvSpPr>
+          <p:cNvPr id="5" name="ノート プレースホルダー 4"/>
+          <p:cNvSpPr>
+            <a:spLocks noGrp="1"/>
+          </p:cNvSpPr>
+          <p:nvPr>
+            <p:ph type="body" sz="quarter" idx="3"/>
+          </p:nvPr>
+        </p:nvSpPr>
+        <p:spPr>
+          <a:xfrm>
+            <a:off x="685800" y="4400550"/>
+            <a:ext cx="5486400" cy="3600450"/>
+          </a:xfrm>
+          <a:prstGeom prst="rect">
+            <a:avLst/>
+          </a:prstGeom>
+        </p:spPr>
+        <p:txBody>
+          <a:bodyPr vert="horz" lIns="91440" tIns="45720" rIns="91440" bIns="45720" rtlCol="0"/>
+          <a:lstStyle/>
+          <a:p>
+            <a:pPr lvl="0"/>
+            <a:r>
+              <a:rPr kumimoji="1" lang="ja-JP" altLang="en-US" smtClean="0"/>
+              <a:t>マスター テキストの書式設定</a:t>
+            </a:r>
+          </a:p>
+          <a:p>
+            <a:pPr lvl="1"/>
+            <a:r>
+              <a:rPr kumimoji="1" lang="ja-JP" altLang="en-US" smtClean="0"/>
+              <a:t>第 </a:t>
+            </a:r>
+            <a:r>
+              <a:rPr kumimoji="1" lang="en-US" altLang="ja-JP" smtClean="0"/>
+              <a:t>2 </a:t>
+            </a:r>
+            <a:r>
+              <a:rPr kumimoji="1" lang="ja-JP" altLang="en-US" smtClean="0"/>
+              <a:t>レベル</a:t>
+            </a:r>
+          </a:p>
+          <a:p>
+            <a:pPr lvl="2"/>
+            <a:r>
+              <a:rPr kumimoji="1" lang="ja-JP" altLang="en-US" smtClean="0"/>
+              <a:t>第 </a:t>
+            </a:r>
+            <a:r>
+              <a:rPr kumimoji="1" lang="en-US" altLang="ja-JP" smtClean="0"/>
+              <a:t>3 </a:t>
+            </a:r>
+            <a:r>
+              <a:rPr kumimoji="1" lang="ja-JP" altLang="en-US" smtClean="0"/>
+              <a:t>レベル</a:t>
+            </a:r>
+          </a:p>
+          <a:p>
+            <a:pPr lvl="3"/>
+            <a:r>
+              <a:rPr kumimoji="1" lang="ja-JP" altLang="en-US" smtClean="0"/>
+              <a:t>第 </a:t>
+            </a:r>
+            <a:r>
+              <a:rPr kumimoji="1" lang="en-US" altLang="ja-JP" smtClean="0"/>
+              <a:t>4 </a:t>
+            </a:r>
+            <a:r>
+              <a:rPr kumimoji="1" lang="ja-JP" altLang="en-US" smtClean="0"/>
+              <a:t>レベル</a:t>
+            </a:r>
+          </a:p>
+          <a:p>
+            <a:pPr lvl="4"/>
+            <a:r>
+              <a:rPr kumimoji="1" lang="ja-JP" altLang="en-US" smtClean="0"/>
+              <a:t>第 </a:t>
+            </a:r>
+            <a:r>
+              <a:rPr kumimoji="1" lang="en-US" altLang="ja-JP" smtClean="0"/>
+              <a:t>5 </a:t>
+            </a:r>
+            <a:r>
+              <a:rPr kumimoji="1" lang="ja-JP" altLang="en-US" smtClean="0"/>
+              <a:t>レベル</a:t>
+            </a:r>
+            <a:endParaRPr kumimoji="1" lang="ja-JP" altLang="en-US"/>
+          </a:p>
+        </p:txBody>
+      </p:sp>
+      <p:sp>
+        <p:nvSpPr>
+          <p:cNvPr id="6" name="フッター プレースホルダー 5"/>
+          <p:cNvSpPr>
+            <a:spLocks noGrp="1"/>
+          </p:cNvSpPr>
+          <p:nvPr>
+            <p:ph type="ftr" sz="quarter" idx="4"/>
+          </p:nvPr>
+        </p:nvSpPr>
+        <p:spPr>
+          <a:xfrm>
+            <a:off x="0" y="8685213"/>
+            <a:ext cx="2971800" cy="458787"/>
+          </a:xfrm>
+          <a:prstGeom prst="rect">
+            <a:avLst/>
+          </a:prstGeom>
+        </p:spPr>
+        <p:txBody>
+          <a:bodyPr vert="horz" lIns="91440" tIns="45720" rIns="91440" bIns="45720" rtlCol="0" anchor="b"/>
+          <a:lstStyle>
+            <a:lvl1pPr algn="l">
+              <a:defRPr sz="1200"/>
+            </a:lvl1pPr>
+          </a:lstStyle>
+          <a:p>
+            <a:endParaRPr kumimoji="1" lang="ja-JP" altLang="en-US"/>
+          </a:p>
+        </p:txBody>
+      </p:sp>
+      <p:sp>
+        <p:nvSpPr>
+          <p:cNvPr id="7" name="スライド番号プレースホルダー 6"/>
+          <p:cNvSpPr>
+            <a:spLocks noGrp="1"/>
+          </p:cNvSpPr>
+          <p:nvPr>
+            <p:ph type="sldNum" sz="quarter" idx="5"/>
+          </p:nvPr>
+        </p:nvSpPr>
+        <p:spPr>
+          <a:xfrm>
+            <a:off x="3884613" y="8685213"/>
+            <a:ext cx="2971800" cy="458787"/>
+          </a:xfrm>
+          <a:prstGeom prst="rect">
+            <a:avLst/>
+          </a:prstGeom>
+        </p:spPr>
+        <p:txBody>
+          <a:bodyPr vert="horz" lIns="91440" tIns="45720" rIns="91440" bIns="45720" rtlCol="0" anchor="b"/>
+          <a:lstStyle>
+            <a:lvl1pPr algn="r">
+              <a:defRPr sz="1200"/>
+            </a:lvl1pPr>
+          </a:lstStyle>
+          <a:p>
+            <a:fld id="{523CFAC8-B512-4276-9044-451557D9E452}" type="slidenum">
+              <a:rPr kumimoji="1" lang="ja-JP" altLang="en-US" smtClean="0"/>
+              <a:t>‹#›</a:t>
+            </a:fld>
+            <a:endParaRPr kumimoji="1" lang="ja-JP" altLang="en-US"/>
+          </a:p>
+        </p:txBody>
+      </p:sp>
+    </p:spTree>
+    <p:extLst>
+      <p:ext uri="{BB962C8B-B14F-4D97-AF65-F5344CB8AC3E}">
+        <p14:creationId xmlns:p14="http://schemas.microsoft.com/office/powerpoint/2010/main" val="3174472733"/>
+      </p:ext>
+    </p:extLst>
+  </p:cSld>
+  <p:clrMap bg1="lt1" tx1="dk1" bg2="lt2" tx2="dk2" accent1="accent1" accent2="accent2" accent3="accent3" accent4="accent4" accent5="accent5" accent6="accent6" hlink="hlink" folHlink="folHlink"/>
+  <p:notesStyle>
+    <a:lvl1pPr marL="0" algn="l" defTabSz="914400" rtl="0" eaLnBrk="1" latinLnBrk="0" hangingPunct="1">
+      <a:defRPr kumimoji="1" sz="1200" kern="1200">
+        <a:solidFill>
+          <a:schemeClr val="tx1"/>
+        </a:solidFill>
+        <a:latin typeface="+mn-lt"/>
+        <a:ea typeface="+mn-ea"/>
+        <a:cs typeface="+mn-cs"/>
+      </a:defRPr>
+    </a:lvl1pPr>
+    <a:lvl2pPr marL="457200" algn="l" defTabSz="914400" rtl="0" eaLnBrk="1" latinLnBrk="0" hangingPunct="1">
+      <a:defRPr kumimoji="1" sz="1200" kern="1200">
+        <a:solidFill>
+          <a:schemeClr val="tx1"/>
+        </a:solidFill>
+        <a:latin typeface="+mn-lt"/>
+        <a:ea typeface="+mn-ea"/>
+        <a:cs typeface="+mn-cs"/>
+      </a:defRPr>
+    </a:lvl2pPr>
+    <a:lvl3pPr marL="914400" algn="l" defTabSz="914400" rtl="0" eaLnBrk="1" latinLnBrk="0" hangingPunct="1">
+      <a:defRPr kumimoji="1" sz="1200" kern="1200">
+        <a:solidFill>
+          <a:schemeClr val="tx1"/>
+        </a:solidFill>
+        <a:latin typeface="+mn-lt"/>
+        <a:ea typeface="+mn-ea"/>
+        <a:cs typeface="+mn-cs"/>
+      </a:defRPr>
+    </a:lvl3pPr>
+    <a:lvl4pPr marL="1371600" algn="l" defTabSz="914400" rtl="0" eaLnBrk="1" latinLnBrk="0" hangingPunct="1">
+      <a:defRPr kumimoji="1" sz="1200" kern="1200">
+        <a:solidFill>
+          <a:schemeClr val="tx1"/>
+        </a:solidFill>
+        <a:latin typeface="+mn-lt"/>
+        <a:ea typeface="+mn-ea"/>
+        <a:cs typeface="+mn-cs"/>
+      </a:defRPr>
+    </a:lvl4pPr>
+    <a:lvl5pPr marL="1828800" algn="l" defTabSz="914400" rtl="0" eaLnBrk="1" latinLnBrk="0" hangingPunct="1">
+      <a:defRPr kumimoji="1" sz="1200" kern="1200">
+        <a:solidFill>
+          <a:schemeClr val="tx1"/>
+        </a:solidFill>
+        <a:latin typeface="+mn-lt"/>
+        <a:ea typeface="+mn-ea"/>
+        <a:cs typeface="+mn-cs"/>
+      </a:defRPr>
+    </a:lvl5pPr>
+    <a:lvl6pPr marL="2286000" algn="l" defTabSz="914400" rtl="0" eaLnBrk="1" latinLnBrk="0" hangingPunct="1">
+      <a:defRPr kumimoji="1" sz="1200" kern="1200">
+        <a:solidFill>
+          <a:schemeClr val="tx1"/>
+        </a:solidFill>
+        <a:latin typeface="+mn-lt"/>
+        <a:ea typeface="+mn-ea"/>
+        <a:cs typeface="+mn-cs"/>
+      </a:defRPr>
+    </a:lvl6pPr>
+    <a:lvl7pPr marL="2743200" algn="l" defTabSz="914400" rtl="0" eaLnBrk="1" latinLnBrk="0" hangingPunct="1">
+      <a:defRPr kumimoji="1" sz="1200" kern="1200">
+        <a:solidFill>
+          <a:schemeClr val="tx1"/>
+        </a:solidFill>
+        <a:latin typeface="+mn-lt"/>
+        <a:ea typeface="+mn-ea"/>
+        <a:cs typeface="+mn-cs"/>
+      </a:defRPr>
+    </a:lvl7pPr>
+    <a:lvl8pPr marL="3200400" algn="l" defTabSz="914400" rtl="0" eaLnBrk="1" latinLnBrk="0" hangingPunct="1">
+      <a:defRPr kumimoji="1" sz="1200" kern="1200">
+        <a:solidFill>
+          <a:schemeClr val="tx1"/>
+        </a:solidFill>
+        <a:latin typeface="+mn-lt"/>
+        <a:ea typeface="+mn-ea"/>
+        <a:cs typeface="+mn-cs"/>
+      </a:defRPr>
+    </a:lvl8pPr>
+    <a:lvl9pPr marL="3657600" algn="l" defTabSz="914400" rtl="0" eaLnBrk="1" latinLnBrk="0" hangingPunct="1">
+      <a:defRPr kumimoji="1" sz="1200" kern="1200">
+        <a:solidFill>
+          <a:schemeClr val="tx1"/>
+        </a:solidFill>
+        <a:latin typeface="+mn-lt"/>
+        <a:ea typeface="+mn-ea"/>
+        <a:cs typeface="+mn-cs"/>
+      </a:defRPr>
+    </a:lvl9pPr>
+  </p:notesStyle>
+</p:notesMaster>
+</file>
+
+<file path=ppt/notesSlides/notesSlide1.xml><?xml version="1.0" encoding="utf-8"?>
+<p:notes xmlns:a="http://schemas.openxmlformats.org/drawingml/2006/main" xmlns:r="http://schemas.openxmlformats.org/officeDocument/2006/relationships" xmlns:p="http://schemas.openxmlformats.org/presentationml/2006/main">
+  <p:cSld>
+    <p:spTree>
+      <p:nvGrpSpPr>
+        <p:cNvPr id="1" name=""/>
+        <p:cNvGrpSpPr/>
+        <p:nvPr/>
+      </p:nvGrpSpPr>
+      <p:grpSpPr>
+        <a:xfrm>
+          <a:off x="0" y="0"/>
+          <a:ext cx="0" cy="0"/>
+          <a:chOff x="0" y="0"/>
+          <a:chExt cx="0" cy="0"/>
+        </a:xfrm>
+      </p:grpSpPr>
+      <p:sp>
+        <p:nvSpPr>
+          <p:cNvPr id="2" name="スライド イメージ プレースホルダー 1"/>
+          <p:cNvSpPr>
+            <a:spLocks noGrp="1" noRot="1" noChangeAspect="1"/>
+          </p:cNvSpPr>
+          <p:nvPr>
+            <p:ph type="sldImg"/>
+          </p:nvPr>
+        </p:nvSpPr>
+        <p:spPr/>
+      </p:sp>
+      <p:sp>
+        <p:nvSpPr>
+          <p:cNvPr id="3" name="ノート プレースホルダー 2"/>
+          <p:cNvSpPr>
+            <a:spLocks noGrp="1"/>
+          </p:cNvSpPr>
+          <p:nvPr>
+            <p:ph type="body" idx="1"/>
+          </p:nvPr>
+        </p:nvSpPr>
+        <p:spPr/>
+        <p:txBody>
+          <a:bodyPr/>
+          <a:lstStyle/>
+          <a:p>
+            <a:endParaRPr kumimoji="1" lang="ja-JP" altLang="en-US" dirty="0"/>
+          </a:p>
+        </p:txBody>
+      </p:sp>
+      <p:sp>
+        <p:nvSpPr>
+          <p:cNvPr id="4" name="スライド番号プレースホルダー 3"/>
+          <p:cNvSpPr>
+            <a:spLocks noGrp="1"/>
+          </p:cNvSpPr>
+          <p:nvPr>
+            <p:ph type="sldNum" sz="quarter" idx="10"/>
+          </p:nvPr>
+        </p:nvSpPr>
+        <p:spPr/>
+        <p:txBody>
+          <a:bodyPr/>
+          <a:lstStyle/>
+          <a:p>
+            <a:fld id="{523CFAC8-B512-4276-9044-451557D9E452}" type="slidenum">
+              <a:rPr kumimoji="1" lang="ja-JP" altLang="en-US" smtClean="0"/>
+              <a:t>6</a:t>
+            </a:fld>
+            <a:endParaRPr kumimoji="1" lang="ja-JP" altLang="en-US"/>
+          </a:p>
+        </p:txBody>
+      </p:sp>
+    </p:spTree>
+    <p:extLst>
+      <p:ext uri="{BB962C8B-B14F-4D97-AF65-F5344CB8AC3E}">
+        <p14:creationId xmlns:p14="http://schemas.microsoft.com/office/powerpoint/2010/main" val="1832771954"/>
+      </p:ext>
+    </p:extLst>
+  </p:cSld>
+  <p:clrMapOvr>
+    <a:masterClrMapping/>
+  </p:clrMapOvr>
+</p:notes>
 </file>
 
 <file path=ppt/slideLayouts/slideLayout1.xml><?xml version="1.0" encoding="utf-8"?>
@@ -8340,6 +8812,1744 @@
 </p:sld>
 </file>
 
+<file path=ppt/slides/slide4.xml><?xml version="1.0" encoding="utf-8"?>
+<p:sld xmlns:a="http://schemas.openxmlformats.org/drawingml/2006/main" xmlns:r="http://schemas.openxmlformats.org/officeDocument/2006/relationships" xmlns:p="http://schemas.openxmlformats.org/presentationml/2006/main">
+  <p:cSld>
+    <p:spTree>
+      <p:nvGrpSpPr>
+        <p:cNvPr id="1" name=""/>
+        <p:cNvGrpSpPr/>
+        <p:nvPr/>
+      </p:nvGrpSpPr>
+      <p:grpSpPr>
+        <a:xfrm>
+          <a:off x="0" y="0"/>
+          <a:ext cx="0" cy="0"/>
+          <a:chOff x="0" y="0"/>
+          <a:chExt cx="0" cy="0"/>
+        </a:xfrm>
+      </p:grpSpPr>
+      <p:sp>
+        <p:nvSpPr>
+          <p:cNvPr id="3" name="テキスト ボックス 2"/>
+          <p:cNvSpPr txBox="1"/>
+          <p:nvPr/>
+        </p:nvSpPr>
+        <p:spPr>
+          <a:xfrm>
+            <a:off x="643811" y="498509"/>
+            <a:ext cx="4551866" cy="461665"/>
+          </a:xfrm>
+          <a:prstGeom prst="rect">
+            <a:avLst/>
+          </a:prstGeom>
+          <a:noFill/>
+        </p:spPr>
+        <p:txBody>
+          <a:bodyPr wrap="square" rtlCol="0">
+            <a:spAutoFit/>
+          </a:bodyPr>
+          <a:lstStyle/>
+          <a:p>
+            <a:r>
+              <a:rPr kumimoji="1" lang="ja-JP" altLang="en-US" sz="2400" b="1" dirty="0" smtClean="0"/>
+              <a:t>ブラッシュアップ</a:t>
+            </a:r>
+            <a:endParaRPr kumimoji="1" lang="ja-JP" altLang="en-US" sz="2400" b="1" dirty="0"/>
+          </a:p>
+        </p:txBody>
+      </p:sp>
+      <p:sp>
+        <p:nvSpPr>
+          <p:cNvPr id="2" name="テキスト ボックス 1"/>
+          <p:cNvSpPr txBox="1"/>
+          <p:nvPr/>
+        </p:nvSpPr>
+        <p:spPr>
+          <a:xfrm>
+            <a:off x="643811" y="1247691"/>
+            <a:ext cx="5008844" cy="369332"/>
+          </a:xfrm>
+          <a:prstGeom prst="rect">
+            <a:avLst/>
+          </a:prstGeom>
+          <a:noFill/>
+        </p:spPr>
+        <p:txBody>
+          <a:bodyPr wrap="square" rtlCol="0">
+            <a:spAutoFit/>
+          </a:bodyPr>
+          <a:lstStyle/>
+          <a:p>
+            <a:r>
+              <a:rPr kumimoji="1" lang="ja-JP" altLang="en-US" dirty="0" smtClean="0"/>
+              <a:t>謎解き継続</a:t>
+            </a:r>
+            <a:r>
+              <a:rPr kumimoji="1" lang="en-US" altLang="ja-JP" dirty="0" smtClean="0"/>
+              <a:t>×</a:t>
+            </a:r>
+            <a:endParaRPr kumimoji="1" lang="ja-JP" altLang="en-US" dirty="0"/>
+          </a:p>
+        </p:txBody>
+      </p:sp>
+      <p:sp>
+        <p:nvSpPr>
+          <p:cNvPr id="4" name="正方形/長方形 3"/>
+          <p:cNvSpPr/>
+          <p:nvPr/>
+        </p:nvSpPr>
+        <p:spPr>
+          <a:xfrm>
+            <a:off x="643811" y="1904540"/>
+            <a:ext cx="4551866" cy="369332"/>
+          </a:xfrm>
+          <a:prstGeom prst="rect">
+            <a:avLst/>
+          </a:prstGeom>
+        </p:spPr>
+        <p:txBody>
+          <a:bodyPr wrap="square">
+            <a:spAutoFit/>
+          </a:bodyPr>
+          <a:lstStyle/>
+          <a:p>
+            <a:pPr marL="285750" lvl="0" indent="-285750">
+              <a:buFont typeface="Arial" panose="020B0604020202020204" pitchFamily="34" charset="0"/>
+              <a:buChar char="•"/>
+            </a:pPr>
+            <a:r>
+              <a:rPr lang="ja-JP" altLang="en-US" dirty="0" smtClean="0">
+                <a:solidFill>
+                  <a:prstClr val="black"/>
+                </a:solidFill>
+              </a:rPr>
+              <a:t>謎を増やす</a:t>
+            </a:r>
+            <a:endParaRPr lang="ja-JP" altLang="en-US" dirty="0">
+              <a:solidFill>
+                <a:prstClr val="black"/>
+              </a:solidFill>
+            </a:endParaRPr>
+          </a:p>
+        </p:txBody>
+      </p:sp>
+      <p:sp>
+        <p:nvSpPr>
+          <p:cNvPr id="9" name="正方形/長方形 8"/>
+          <p:cNvSpPr/>
+          <p:nvPr/>
+        </p:nvSpPr>
+        <p:spPr>
+          <a:xfrm>
+            <a:off x="5961500" y="1904540"/>
+            <a:ext cx="3766458" cy="369332"/>
+          </a:xfrm>
+          <a:prstGeom prst="rect">
+            <a:avLst/>
+          </a:prstGeom>
+        </p:spPr>
+        <p:txBody>
+          <a:bodyPr wrap="square">
+            <a:spAutoFit/>
+          </a:bodyPr>
+          <a:lstStyle/>
+          <a:p>
+            <a:pPr marL="285750" lvl="0" indent="-285750">
+              <a:buFont typeface="Arial" panose="020B0604020202020204" pitchFamily="34" charset="0"/>
+              <a:buChar char="•"/>
+            </a:pPr>
+            <a:r>
+              <a:rPr lang="ja-JP" altLang="en-US" dirty="0" smtClean="0">
+                <a:solidFill>
+                  <a:prstClr val="black"/>
+                </a:solidFill>
+              </a:rPr>
+              <a:t>ランゲーム</a:t>
+            </a:r>
+            <a:endParaRPr lang="en-US" altLang="ja-JP" dirty="0">
+              <a:solidFill>
+                <a:prstClr val="black"/>
+              </a:solidFill>
+            </a:endParaRPr>
+          </a:p>
+        </p:txBody>
+      </p:sp>
+      <p:sp>
+        <p:nvSpPr>
+          <p:cNvPr id="10" name="テキスト ボックス 9"/>
+          <p:cNvSpPr txBox="1"/>
+          <p:nvPr/>
+        </p:nvSpPr>
+        <p:spPr>
+          <a:xfrm>
+            <a:off x="5961500" y="1247691"/>
+            <a:ext cx="5008844" cy="369332"/>
+          </a:xfrm>
+          <a:prstGeom prst="rect">
+            <a:avLst/>
+          </a:prstGeom>
+          <a:noFill/>
+        </p:spPr>
+        <p:txBody>
+          <a:bodyPr wrap="square" rtlCol="0">
+            <a:spAutoFit/>
+          </a:bodyPr>
+          <a:lstStyle/>
+          <a:p>
+            <a:r>
+              <a:rPr kumimoji="1" lang="ja-JP" altLang="en-US" dirty="0" smtClean="0"/>
+              <a:t>謎解き以外★</a:t>
+            </a:r>
+            <a:endParaRPr kumimoji="1" lang="ja-JP" altLang="en-US" dirty="0"/>
+          </a:p>
+        </p:txBody>
+      </p:sp>
+      <p:sp>
+        <p:nvSpPr>
+          <p:cNvPr id="11" name="正方形/長方形 10"/>
+          <p:cNvSpPr/>
+          <p:nvPr/>
+        </p:nvSpPr>
+        <p:spPr>
+          <a:xfrm>
+            <a:off x="5961500" y="3069450"/>
+            <a:ext cx="3766458" cy="646331"/>
+          </a:xfrm>
+          <a:prstGeom prst="rect">
+            <a:avLst/>
+          </a:prstGeom>
+        </p:spPr>
+        <p:txBody>
+          <a:bodyPr wrap="square">
+            <a:spAutoFit/>
+          </a:bodyPr>
+          <a:lstStyle/>
+          <a:p>
+            <a:pPr marL="285750" lvl="0" indent="-285750">
+              <a:buFont typeface="Arial" panose="020B0604020202020204" pitchFamily="34" charset="0"/>
+              <a:buChar char="•"/>
+            </a:pPr>
+            <a:r>
+              <a:rPr lang="ja-JP" altLang="en-US" dirty="0" smtClean="0">
+                <a:solidFill>
+                  <a:prstClr val="black"/>
+                </a:solidFill>
+              </a:rPr>
+              <a:t>ディフェンスゲーム</a:t>
+            </a:r>
+            <a:endParaRPr lang="en-US" altLang="ja-JP" dirty="0">
+              <a:solidFill>
+                <a:prstClr val="black"/>
+              </a:solidFill>
+            </a:endParaRPr>
+          </a:p>
+          <a:p>
+            <a:pPr marL="742950" lvl="1" indent="-285750">
+              <a:buFont typeface="Arial" panose="020B0604020202020204" pitchFamily="34" charset="0"/>
+              <a:buChar char="•"/>
+            </a:pPr>
+            <a:r>
+              <a:rPr lang="ja-JP" altLang="en-US" dirty="0" smtClean="0">
+                <a:solidFill>
+                  <a:prstClr val="black"/>
+                </a:solidFill>
+              </a:rPr>
+              <a:t>タワーディフェンス</a:t>
+            </a:r>
+            <a:endParaRPr lang="en-US" altLang="ja-JP" dirty="0" smtClean="0">
+              <a:solidFill>
+                <a:prstClr val="black"/>
+              </a:solidFill>
+            </a:endParaRPr>
+          </a:p>
+        </p:txBody>
+      </p:sp>
+      <p:sp>
+        <p:nvSpPr>
+          <p:cNvPr id="12" name="正方形/長方形 11"/>
+          <p:cNvSpPr/>
+          <p:nvPr/>
+        </p:nvSpPr>
+        <p:spPr>
+          <a:xfrm>
+            <a:off x="643811" y="2376723"/>
+            <a:ext cx="4551866" cy="369332"/>
+          </a:xfrm>
+          <a:prstGeom prst="rect">
+            <a:avLst/>
+          </a:prstGeom>
+        </p:spPr>
+        <p:txBody>
+          <a:bodyPr wrap="square">
+            <a:spAutoFit/>
+          </a:bodyPr>
+          <a:lstStyle/>
+          <a:p>
+            <a:pPr marL="285750" lvl="0" indent="-285750">
+              <a:buFont typeface="Arial" panose="020B0604020202020204" pitchFamily="34" charset="0"/>
+              <a:buChar char="•"/>
+            </a:pPr>
+            <a:r>
+              <a:rPr lang="ja-JP" altLang="en-US" dirty="0" smtClean="0">
+                <a:solidFill>
+                  <a:prstClr val="black"/>
+                </a:solidFill>
+              </a:rPr>
+              <a:t>謎をランダムにする</a:t>
+            </a:r>
+            <a:endParaRPr lang="ja-JP" altLang="en-US" dirty="0">
+              <a:solidFill>
+                <a:prstClr val="black"/>
+              </a:solidFill>
+            </a:endParaRPr>
+          </a:p>
+        </p:txBody>
+      </p:sp>
+    </p:spTree>
+    <p:extLst>
+      <p:ext uri="{BB962C8B-B14F-4D97-AF65-F5344CB8AC3E}">
+        <p14:creationId xmlns:p14="http://schemas.microsoft.com/office/powerpoint/2010/main" val="264614002"/>
+      </p:ext>
+    </p:extLst>
+  </p:cSld>
+  <p:clrMapOvr>
+    <a:masterClrMapping/>
+  </p:clrMapOvr>
+  <p:timing>
+    <p:tnLst>
+      <p:par>
+        <p:cTn id="1" dur="indefinite" restart="never" nodeType="tmRoot"/>
+      </p:par>
+    </p:tnLst>
+  </p:timing>
+</p:sld>
+</file>
+
+<file path=ppt/slides/slide5.xml><?xml version="1.0" encoding="utf-8"?>
+<p:sld xmlns:a="http://schemas.openxmlformats.org/drawingml/2006/main" xmlns:r="http://schemas.openxmlformats.org/officeDocument/2006/relationships" xmlns:p="http://schemas.openxmlformats.org/presentationml/2006/main">
+  <p:cSld>
+    <p:spTree>
+      <p:nvGrpSpPr>
+        <p:cNvPr id="1" name=""/>
+        <p:cNvGrpSpPr/>
+        <p:nvPr/>
+      </p:nvGrpSpPr>
+      <p:grpSpPr>
+        <a:xfrm>
+          <a:off x="0" y="0"/>
+          <a:ext cx="0" cy="0"/>
+          <a:chOff x="0" y="0"/>
+          <a:chExt cx="0" cy="0"/>
+        </a:xfrm>
+      </p:grpSpPr>
+      <p:sp>
+        <p:nvSpPr>
+          <p:cNvPr id="3" name="テキスト ボックス 2"/>
+          <p:cNvSpPr txBox="1"/>
+          <p:nvPr/>
+        </p:nvSpPr>
+        <p:spPr>
+          <a:xfrm>
+            <a:off x="643811" y="498509"/>
+            <a:ext cx="4551866" cy="461665"/>
+          </a:xfrm>
+          <a:prstGeom prst="rect">
+            <a:avLst/>
+          </a:prstGeom>
+          <a:noFill/>
+        </p:spPr>
+        <p:txBody>
+          <a:bodyPr wrap="square" rtlCol="0">
+            <a:spAutoFit/>
+          </a:bodyPr>
+          <a:lstStyle/>
+          <a:p>
+            <a:r>
+              <a:rPr kumimoji="1" lang="ja-JP" altLang="en-US" sz="2400" b="1" dirty="0" smtClean="0"/>
+              <a:t>ブラッシュアップ２</a:t>
+            </a:r>
+            <a:endParaRPr kumimoji="1" lang="ja-JP" altLang="en-US" sz="2400" b="1" dirty="0"/>
+          </a:p>
+        </p:txBody>
+      </p:sp>
+      <p:sp>
+        <p:nvSpPr>
+          <p:cNvPr id="9" name="正方形/長方形 8"/>
+          <p:cNvSpPr/>
+          <p:nvPr/>
+        </p:nvSpPr>
+        <p:spPr>
+          <a:xfrm>
+            <a:off x="643811" y="1202577"/>
+            <a:ext cx="4168334" cy="3693319"/>
+          </a:xfrm>
+          <a:prstGeom prst="rect">
+            <a:avLst/>
+          </a:prstGeom>
+        </p:spPr>
+        <p:txBody>
+          <a:bodyPr wrap="square">
+            <a:spAutoFit/>
+          </a:bodyPr>
+          <a:lstStyle/>
+          <a:p>
+            <a:pPr marL="285750" lvl="0" indent="-285750">
+              <a:buFont typeface="Arial" panose="020B0604020202020204" pitchFamily="34" charset="0"/>
+              <a:buChar char="•"/>
+            </a:pPr>
+            <a:r>
+              <a:rPr lang="ja-JP" altLang="en-US" dirty="0" smtClean="0">
+                <a:solidFill>
+                  <a:prstClr val="black"/>
+                </a:solidFill>
+              </a:rPr>
+              <a:t>ランゲーム決定</a:t>
+            </a:r>
+            <a:endParaRPr lang="en-US" altLang="ja-JP" dirty="0" smtClean="0">
+              <a:solidFill>
+                <a:prstClr val="black"/>
+              </a:solidFill>
+            </a:endParaRPr>
+          </a:p>
+          <a:p>
+            <a:pPr marL="742950" lvl="1" indent="-285750">
+              <a:buFont typeface="Arial" panose="020B0604020202020204" pitchFamily="34" charset="0"/>
+              <a:buChar char="•"/>
+            </a:pPr>
+            <a:r>
+              <a:rPr lang="ja-JP" altLang="en-US" dirty="0" smtClean="0">
+                <a:solidFill>
+                  <a:prstClr val="black"/>
+                </a:solidFill>
+              </a:rPr>
+              <a:t>エンドレス耐久　距離</a:t>
+            </a:r>
+            <a:endParaRPr lang="en-US" altLang="ja-JP" dirty="0" smtClean="0">
+              <a:solidFill>
+                <a:prstClr val="black"/>
+              </a:solidFill>
+            </a:endParaRPr>
+          </a:p>
+          <a:p>
+            <a:pPr lvl="1"/>
+            <a:endParaRPr lang="en-US" altLang="ja-JP" dirty="0" smtClean="0">
+              <a:solidFill>
+                <a:prstClr val="black"/>
+              </a:solidFill>
+            </a:endParaRPr>
+          </a:p>
+          <a:p>
+            <a:pPr marL="285750" indent="-285750">
+              <a:buFont typeface="Arial" panose="020B0604020202020204" pitchFamily="34" charset="0"/>
+              <a:buChar char="•"/>
+            </a:pPr>
+            <a:r>
+              <a:rPr lang="ja-JP" altLang="en-US" dirty="0" smtClean="0">
+                <a:solidFill>
+                  <a:prstClr val="black"/>
+                </a:solidFill>
+              </a:rPr>
+              <a:t>ライフ３つ</a:t>
+            </a:r>
+            <a:endParaRPr lang="en-US" altLang="ja-JP" dirty="0" smtClean="0">
+              <a:solidFill>
+                <a:prstClr val="black"/>
+              </a:solidFill>
+            </a:endParaRPr>
+          </a:p>
+          <a:p>
+            <a:pPr marL="285750" indent="-285750">
+              <a:buFont typeface="Arial" panose="020B0604020202020204" pitchFamily="34" charset="0"/>
+              <a:buChar char="•"/>
+            </a:pPr>
+            <a:endParaRPr lang="en-US" altLang="ja-JP" dirty="0">
+              <a:solidFill>
+                <a:prstClr val="black"/>
+              </a:solidFill>
+            </a:endParaRPr>
+          </a:p>
+          <a:p>
+            <a:pPr marL="285750" indent="-285750">
+              <a:buFont typeface="Arial" panose="020B0604020202020204" pitchFamily="34" charset="0"/>
+              <a:buChar char="•"/>
+            </a:pPr>
+            <a:r>
+              <a:rPr lang="ja-JP" altLang="en-US" dirty="0" smtClean="0">
+                <a:solidFill>
+                  <a:prstClr val="black"/>
+                </a:solidFill>
+              </a:rPr>
+              <a:t>移動　前後　左右</a:t>
+            </a:r>
+            <a:endParaRPr lang="en-US" altLang="ja-JP" dirty="0" smtClean="0">
+              <a:solidFill>
+                <a:prstClr val="black"/>
+              </a:solidFill>
+            </a:endParaRPr>
+          </a:p>
+          <a:p>
+            <a:pPr marL="285750" indent="-285750">
+              <a:buFont typeface="Arial" panose="020B0604020202020204" pitchFamily="34" charset="0"/>
+              <a:buChar char="•"/>
+            </a:pPr>
+            <a:endParaRPr lang="en-US" altLang="ja-JP" dirty="0">
+              <a:solidFill>
+                <a:prstClr val="black"/>
+              </a:solidFill>
+            </a:endParaRPr>
+          </a:p>
+          <a:p>
+            <a:pPr marL="285750" indent="-285750">
+              <a:buFont typeface="Arial" panose="020B0604020202020204" pitchFamily="34" charset="0"/>
+              <a:buChar char="•"/>
+            </a:pPr>
+            <a:r>
+              <a:rPr lang="ja-JP" altLang="en-US" dirty="0" smtClean="0">
+                <a:solidFill>
+                  <a:prstClr val="black"/>
+                </a:solidFill>
+              </a:rPr>
+              <a:t>トラップ</a:t>
+            </a:r>
+            <a:endParaRPr lang="en-US" altLang="ja-JP" dirty="0" smtClean="0">
+              <a:solidFill>
+                <a:prstClr val="black"/>
+              </a:solidFill>
+            </a:endParaRPr>
+          </a:p>
+          <a:p>
+            <a:r>
+              <a:rPr lang="en-US" altLang="ja-JP" dirty="0">
+                <a:solidFill>
+                  <a:prstClr val="black"/>
+                </a:solidFill>
+              </a:rPr>
+              <a:t>	</a:t>
+            </a:r>
+            <a:r>
+              <a:rPr lang="ja-JP" altLang="en-US" dirty="0" smtClean="0">
+                <a:solidFill>
+                  <a:prstClr val="black"/>
+                </a:solidFill>
+              </a:rPr>
+              <a:t>例：岩、とげ</a:t>
+            </a:r>
+            <a:endParaRPr lang="en-US" altLang="ja-JP" dirty="0" smtClean="0">
+              <a:solidFill>
+                <a:prstClr val="black"/>
+              </a:solidFill>
+            </a:endParaRPr>
+          </a:p>
+          <a:p>
+            <a:pPr marL="285750" indent="-285750">
+              <a:buFont typeface="Arial" panose="020B0604020202020204" pitchFamily="34" charset="0"/>
+              <a:buChar char="•"/>
+            </a:pPr>
+            <a:endParaRPr lang="en-US" altLang="ja-JP" dirty="0" smtClean="0">
+              <a:solidFill>
+                <a:prstClr val="black"/>
+              </a:solidFill>
+            </a:endParaRPr>
+          </a:p>
+          <a:p>
+            <a:pPr marL="285750" indent="-285750">
+              <a:buFont typeface="Arial" panose="020B0604020202020204" pitchFamily="34" charset="0"/>
+              <a:buChar char="•"/>
+            </a:pPr>
+            <a:r>
+              <a:rPr lang="ja-JP" altLang="en-US" dirty="0" smtClean="0">
+                <a:solidFill>
+                  <a:prstClr val="black"/>
+                </a:solidFill>
+              </a:rPr>
+              <a:t>時間があれば追加</a:t>
+            </a:r>
+            <a:endParaRPr lang="en-US" altLang="ja-JP" dirty="0">
+              <a:solidFill>
+                <a:prstClr val="black"/>
+              </a:solidFill>
+            </a:endParaRPr>
+          </a:p>
+          <a:p>
+            <a:pPr marL="742950" lvl="1" indent="-285750">
+              <a:buFont typeface="Arial" panose="020B0604020202020204" pitchFamily="34" charset="0"/>
+              <a:buChar char="•"/>
+            </a:pPr>
+            <a:r>
+              <a:rPr lang="ja-JP" altLang="en-US" dirty="0" smtClean="0">
+                <a:solidFill>
+                  <a:prstClr val="black"/>
+                </a:solidFill>
+              </a:rPr>
+              <a:t>アイテム</a:t>
+            </a:r>
+            <a:endParaRPr lang="en-US" altLang="ja-JP" dirty="0" smtClean="0">
+              <a:solidFill>
+                <a:prstClr val="black"/>
+              </a:solidFill>
+            </a:endParaRPr>
+          </a:p>
+          <a:p>
+            <a:pPr marL="285750" indent="-285750">
+              <a:buFont typeface="Arial" panose="020B0604020202020204" pitchFamily="34" charset="0"/>
+              <a:buChar char="•"/>
+            </a:pPr>
+            <a:endParaRPr lang="en-US" altLang="ja-JP" dirty="0">
+              <a:solidFill>
+                <a:prstClr val="black"/>
+              </a:solidFill>
+            </a:endParaRPr>
+          </a:p>
+        </p:txBody>
+      </p:sp>
+      <p:sp>
+        <p:nvSpPr>
+          <p:cNvPr id="14" name="正方形/長方形 13"/>
+          <p:cNvSpPr/>
+          <p:nvPr/>
+        </p:nvSpPr>
+        <p:spPr>
+          <a:xfrm>
+            <a:off x="6365738" y="1895074"/>
+            <a:ext cx="4168334" cy="2308324"/>
+          </a:xfrm>
+          <a:prstGeom prst="rect">
+            <a:avLst/>
+          </a:prstGeom>
+        </p:spPr>
+        <p:txBody>
+          <a:bodyPr wrap="square">
+            <a:spAutoFit/>
+          </a:bodyPr>
+          <a:lstStyle/>
+          <a:p>
+            <a:pPr marL="285750" lvl="0" indent="-285750">
+              <a:buFont typeface="Arial" panose="020B0604020202020204" pitchFamily="34" charset="0"/>
+              <a:buChar char="•"/>
+            </a:pPr>
+            <a:r>
+              <a:rPr lang="ja-JP" altLang="en-US" dirty="0" smtClean="0">
+                <a:solidFill>
+                  <a:prstClr val="black"/>
+                </a:solidFill>
+              </a:rPr>
+              <a:t>競技性</a:t>
+            </a:r>
+            <a:endParaRPr lang="en-US" altLang="ja-JP" dirty="0" smtClean="0">
+              <a:solidFill>
+                <a:prstClr val="black"/>
+              </a:solidFill>
+            </a:endParaRPr>
+          </a:p>
+          <a:p>
+            <a:pPr marL="742950" lvl="1" indent="-285750">
+              <a:buFont typeface="Arial" panose="020B0604020202020204" pitchFamily="34" charset="0"/>
+              <a:buChar char="•"/>
+            </a:pPr>
+            <a:r>
+              <a:rPr lang="ja-JP" altLang="en-US" dirty="0" smtClean="0">
+                <a:solidFill>
+                  <a:prstClr val="black"/>
+                </a:solidFill>
+              </a:rPr>
+              <a:t>進んだ距離で競う</a:t>
+            </a:r>
+            <a:endParaRPr lang="en-US" altLang="ja-JP" dirty="0" smtClean="0">
+              <a:solidFill>
+                <a:prstClr val="black"/>
+              </a:solidFill>
+            </a:endParaRPr>
+          </a:p>
+          <a:p>
+            <a:pPr marL="742950" lvl="1" indent="-285750">
+              <a:buFont typeface="Arial" panose="020B0604020202020204" pitchFamily="34" charset="0"/>
+              <a:buChar char="•"/>
+            </a:pPr>
+            <a:endParaRPr lang="en-US" altLang="ja-JP" dirty="0">
+              <a:solidFill>
+                <a:prstClr val="black"/>
+              </a:solidFill>
+            </a:endParaRPr>
+          </a:p>
+          <a:p>
+            <a:pPr marL="285750" indent="-285750">
+              <a:buFont typeface="Arial" panose="020B0604020202020204" pitchFamily="34" charset="0"/>
+              <a:buChar char="•"/>
+            </a:pPr>
+            <a:r>
+              <a:rPr lang="ja-JP" altLang="en-US" dirty="0" smtClean="0">
+                <a:solidFill>
+                  <a:prstClr val="black"/>
+                </a:solidFill>
+              </a:rPr>
+              <a:t>ジャンプ　奥行</a:t>
+            </a:r>
+            <a:endParaRPr lang="en-US" altLang="ja-JP" dirty="0" smtClean="0">
+              <a:solidFill>
+                <a:prstClr val="black"/>
+              </a:solidFill>
+            </a:endParaRPr>
+          </a:p>
+          <a:p>
+            <a:pPr marL="742950" lvl="1" indent="-285750">
+              <a:buFont typeface="Arial" panose="020B0604020202020204" pitchFamily="34" charset="0"/>
+              <a:buChar char="•"/>
+            </a:pPr>
+            <a:r>
+              <a:rPr lang="ja-JP" altLang="en-US" dirty="0" smtClean="0">
+                <a:solidFill>
+                  <a:prstClr val="black"/>
+                </a:solidFill>
+              </a:rPr>
+              <a:t>障害物を避ける</a:t>
+            </a:r>
+            <a:endParaRPr lang="en-US" altLang="ja-JP" dirty="0" smtClean="0">
+              <a:solidFill>
+                <a:prstClr val="black"/>
+              </a:solidFill>
+            </a:endParaRPr>
+          </a:p>
+          <a:p>
+            <a:pPr marL="742950" lvl="1" indent="-285750">
+              <a:buFont typeface="Arial" panose="020B0604020202020204" pitchFamily="34" charset="0"/>
+              <a:buChar char="•"/>
+            </a:pPr>
+            <a:endParaRPr lang="en-US" altLang="ja-JP" dirty="0">
+              <a:solidFill>
+                <a:prstClr val="black"/>
+              </a:solidFill>
+            </a:endParaRPr>
+          </a:p>
+          <a:p>
+            <a:pPr marL="742950" lvl="1" indent="-285750">
+              <a:buFont typeface="Arial" panose="020B0604020202020204" pitchFamily="34" charset="0"/>
+              <a:buChar char="•"/>
+            </a:pPr>
+            <a:endParaRPr lang="en-US" altLang="ja-JP" dirty="0" smtClean="0">
+              <a:solidFill>
+                <a:prstClr val="black"/>
+              </a:solidFill>
+            </a:endParaRPr>
+          </a:p>
+          <a:p>
+            <a:pPr marL="285750" indent="-285750">
+              <a:buFont typeface="Arial" panose="020B0604020202020204" pitchFamily="34" charset="0"/>
+              <a:buChar char="•"/>
+            </a:pPr>
+            <a:endParaRPr lang="en-US" altLang="ja-JP" dirty="0">
+              <a:solidFill>
+                <a:prstClr val="black"/>
+              </a:solidFill>
+            </a:endParaRPr>
+          </a:p>
+        </p:txBody>
+      </p:sp>
+    </p:spTree>
+    <p:extLst>
+      <p:ext uri="{BB962C8B-B14F-4D97-AF65-F5344CB8AC3E}">
+        <p14:creationId xmlns:p14="http://schemas.microsoft.com/office/powerpoint/2010/main" val="4150488568"/>
+      </p:ext>
+    </p:extLst>
+  </p:cSld>
+  <p:clrMapOvr>
+    <a:masterClrMapping/>
+  </p:clrMapOvr>
+  <p:timing>
+    <p:tnLst>
+      <p:par>
+        <p:cTn id="1" dur="indefinite" restart="never" nodeType="tmRoot"/>
+      </p:par>
+    </p:tnLst>
+  </p:timing>
+</p:sld>
+</file>
+
+<file path=ppt/slides/slide6.xml><?xml version="1.0" encoding="utf-8"?>
+<p:sld xmlns:a="http://schemas.openxmlformats.org/drawingml/2006/main" xmlns:r="http://schemas.openxmlformats.org/officeDocument/2006/relationships" xmlns:p="http://schemas.openxmlformats.org/presentationml/2006/main">
+  <p:cSld>
+    <p:spTree>
+      <p:nvGrpSpPr>
+        <p:cNvPr id="1" name=""/>
+        <p:cNvGrpSpPr/>
+        <p:nvPr/>
+      </p:nvGrpSpPr>
+      <p:grpSpPr>
+        <a:xfrm>
+          <a:off x="0" y="0"/>
+          <a:ext cx="0" cy="0"/>
+          <a:chOff x="0" y="0"/>
+          <a:chExt cx="0" cy="0"/>
+        </a:xfrm>
+      </p:grpSpPr>
+      <p:grpSp>
+        <p:nvGrpSpPr>
+          <p:cNvPr id="4" name="グループ化 3"/>
+          <p:cNvGrpSpPr/>
+          <p:nvPr/>
+        </p:nvGrpSpPr>
+        <p:grpSpPr>
+          <a:xfrm>
+            <a:off x="0" y="0"/>
+            <a:ext cx="12192000" cy="6858000"/>
+            <a:chOff x="2519258" y="1516930"/>
+            <a:chExt cx="6705614" cy="3768865"/>
+          </a:xfrm>
+        </p:grpSpPr>
+        <p:pic>
+          <p:nvPicPr>
+            <p:cNvPr id="2" name="図 1"/>
+            <p:cNvPicPr>
+              <a:picLocks noChangeAspect="1"/>
+            </p:cNvPicPr>
+            <p:nvPr/>
+          </p:nvPicPr>
+          <p:blipFill>
+            <a:blip r:embed="rId3" cstate="print">
+              <a:extLst>
+                <a:ext uri="{28A0092B-C50C-407E-A947-70E740481C1C}">
+                  <a14:useLocalDpi xmlns:a14="http://schemas.microsoft.com/office/drawing/2010/main" val="0"/>
+                </a:ext>
+              </a:extLst>
+            </a:blip>
+            <a:stretch>
+              <a:fillRect/>
+            </a:stretch>
+          </p:blipFill>
+          <p:spPr>
+            <a:xfrm>
+              <a:off x="2519258" y="1628188"/>
+              <a:ext cx="6705614" cy="3657607"/>
+            </a:xfrm>
+            <a:prstGeom prst="rect">
+              <a:avLst/>
+            </a:prstGeom>
+          </p:spPr>
+        </p:pic>
+        <p:pic>
+          <p:nvPicPr>
+            <p:cNvPr id="3" name="図 2"/>
+            <p:cNvPicPr>
+              <a:picLocks noChangeAspect="1"/>
+            </p:cNvPicPr>
+            <p:nvPr/>
+          </p:nvPicPr>
+          <p:blipFill>
+            <a:blip r:embed="rId4" cstate="print">
+              <a:extLst>
+                <a:ext uri="{28A0092B-C50C-407E-A947-70E740481C1C}">
+                  <a14:useLocalDpi xmlns:a14="http://schemas.microsoft.com/office/drawing/2010/main" val="0"/>
+                </a:ext>
+              </a:extLst>
+            </a:blip>
+            <a:stretch>
+              <a:fillRect/>
+            </a:stretch>
+          </p:blipFill>
+          <p:spPr>
+            <a:xfrm>
+              <a:off x="2519258" y="1516930"/>
+              <a:ext cx="6705614" cy="3657607"/>
+            </a:xfrm>
+            <a:prstGeom prst="rect">
+              <a:avLst/>
+            </a:prstGeom>
+          </p:spPr>
+        </p:pic>
+      </p:grpSp>
+      <p:sp>
+        <p:nvSpPr>
+          <p:cNvPr id="7" name="テキスト ボックス 6"/>
+          <p:cNvSpPr txBox="1"/>
+          <p:nvPr/>
+        </p:nvSpPr>
+        <p:spPr>
+          <a:xfrm>
+            <a:off x="9531142" y="259487"/>
+            <a:ext cx="2659224" cy="523220"/>
+          </a:xfrm>
+          <a:prstGeom prst="rect">
+            <a:avLst/>
+          </a:prstGeom>
+          <a:noFill/>
+        </p:spPr>
+        <p:txBody>
+          <a:bodyPr wrap="square" rtlCol="0">
+            <a:spAutoFit/>
+          </a:bodyPr>
+          <a:lstStyle/>
+          <a:p>
+            <a:pPr algn="ctr"/>
+            <a:r>
+              <a:rPr kumimoji="1" lang="ja-JP" altLang="en-US" sz="2800" dirty="0" smtClean="0">
+                <a:solidFill>
+                  <a:schemeClr val="bg1"/>
+                </a:solidFill>
+                <a:latin typeface="Arial Black" panose="020B0A04020102020204" pitchFamily="34" charset="0"/>
+              </a:rPr>
+              <a:t>１</a:t>
+            </a:r>
+            <a:r>
+              <a:rPr lang="en-US" altLang="ja-JP" sz="2800" dirty="0">
+                <a:solidFill>
+                  <a:schemeClr val="bg1"/>
+                </a:solidFill>
+                <a:latin typeface="Arial Black" panose="020B0A04020102020204" pitchFamily="34" charset="0"/>
+              </a:rPr>
+              <a:t>.</a:t>
+            </a:r>
+            <a:r>
+              <a:rPr kumimoji="1" lang="ja-JP" altLang="en-US" sz="2800" dirty="0" smtClean="0">
+                <a:solidFill>
+                  <a:schemeClr val="bg1"/>
+                </a:solidFill>
+                <a:latin typeface="Arial Black" panose="020B0A04020102020204" pitchFamily="34" charset="0"/>
+              </a:rPr>
+              <a:t>１１ｋｍ</a:t>
+            </a:r>
+            <a:endParaRPr kumimoji="1" lang="ja-JP" altLang="en-US" sz="2800" dirty="0">
+              <a:solidFill>
+                <a:schemeClr val="bg1"/>
+              </a:solidFill>
+              <a:latin typeface="Arial Black" panose="020B0A04020102020204" pitchFamily="34" charset="0"/>
+            </a:endParaRPr>
+          </a:p>
+        </p:txBody>
+      </p:sp>
+      <p:pic>
+        <p:nvPicPr>
+          <p:cNvPr id="26" name="図 25"/>
+          <p:cNvPicPr>
+            <a:picLocks noChangeAspect="1"/>
+          </p:cNvPicPr>
+          <p:nvPr/>
+        </p:nvPicPr>
+        <p:blipFill>
+          <a:blip r:embed="rId5" cstate="print">
+            <a:extLst>
+              <a:ext uri="{28A0092B-C50C-407E-A947-70E740481C1C}">
+                <a14:useLocalDpi xmlns:a14="http://schemas.microsoft.com/office/drawing/2010/main" val="0"/>
+              </a:ext>
+            </a:extLst>
+          </a:blip>
+          <a:stretch>
+            <a:fillRect/>
+          </a:stretch>
+        </p:blipFill>
+        <p:spPr>
+          <a:xfrm>
+            <a:off x="8840392" y="6246275"/>
+            <a:ext cx="446849" cy="445359"/>
+          </a:xfrm>
+          <a:prstGeom prst="rect">
+            <a:avLst/>
+          </a:prstGeom>
+        </p:spPr>
+      </p:pic>
+      <p:grpSp>
+        <p:nvGrpSpPr>
+          <p:cNvPr id="37" name="グループ化 36"/>
+          <p:cNvGrpSpPr/>
+          <p:nvPr/>
+        </p:nvGrpSpPr>
+        <p:grpSpPr>
+          <a:xfrm>
+            <a:off x="478100" y="336771"/>
+            <a:ext cx="1647912" cy="524951"/>
+            <a:chOff x="251973" y="183749"/>
+            <a:chExt cx="1647912" cy="524951"/>
+          </a:xfrm>
+        </p:grpSpPr>
+        <p:pic>
+          <p:nvPicPr>
+            <p:cNvPr id="30" name="図 29"/>
+            <p:cNvPicPr>
+              <a:picLocks noChangeAspect="1"/>
+            </p:cNvPicPr>
+            <p:nvPr/>
+          </p:nvPicPr>
+          <p:blipFill>
+            <a:blip r:embed="rId6" cstate="print">
+              <a:extLst>
+                <a:ext uri="{28A0092B-C50C-407E-A947-70E740481C1C}">
+                  <a14:useLocalDpi xmlns:a14="http://schemas.microsoft.com/office/drawing/2010/main" val="0"/>
+                </a:ext>
+              </a:extLst>
+            </a:blip>
+            <a:stretch>
+              <a:fillRect/>
+            </a:stretch>
+          </p:blipFill>
+          <p:spPr>
+            <a:xfrm flipH="1">
+              <a:off x="251973" y="183749"/>
+              <a:ext cx="521119" cy="524951"/>
+            </a:xfrm>
+            <a:prstGeom prst="rect">
+              <a:avLst/>
+            </a:prstGeom>
+          </p:spPr>
+        </p:pic>
+        <p:pic>
+          <p:nvPicPr>
+            <p:cNvPr id="31" name="図 30"/>
+            <p:cNvPicPr>
+              <a:picLocks noChangeAspect="1"/>
+            </p:cNvPicPr>
+            <p:nvPr/>
+          </p:nvPicPr>
+          <p:blipFill>
+            <a:blip r:embed="rId6" cstate="print">
+              <a:extLst>
+                <a:ext uri="{28A0092B-C50C-407E-A947-70E740481C1C}">
+                  <a14:useLocalDpi xmlns:a14="http://schemas.microsoft.com/office/drawing/2010/main" val="0"/>
+                </a:ext>
+              </a:extLst>
+            </a:blip>
+            <a:stretch>
+              <a:fillRect/>
+            </a:stretch>
+          </p:blipFill>
+          <p:spPr>
+            <a:xfrm flipH="1">
+              <a:off x="815370" y="183749"/>
+              <a:ext cx="521119" cy="524951"/>
+            </a:xfrm>
+            <a:prstGeom prst="rect">
+              <a:avLst/>
+            </a:prstGeom>
+          </p:spPr>
+        </p:pic>
+        <p:pic>
+          <p:nvPicPr>
+            <p:cNvPr id="32" name="図 31"/>
+            <p:cNvPicPr>
+              <a:picLocks noChangeAspect="1"/>
+            </p:cNvPicPr>
+            <p:nvPr/>
+          </p:nvPicPr>
+          <p:blipFill>
+            <a:blip r:embed="rId6" cstate="print">
+              <a:extLst>
+                <a:ext uri="{28A0092B-C50C-407E-A947-70E740481C1C}">
+                  <a14:useLocalDpi xmlns:a14="http://schemas.microsoft.com/office/drawing/2010/main" val="0"/>
+                </a:ext>
+              </a:extLst>
+            </a:blip>
+            <a:stretch>
+              <a:fillRect/>
+            </a:stretch>
+          </p:blipFill>
+          <p:spPr>
+            <a:xfrm flipH="1">
+              <a:off x="1378766" y="183749"/>
+              <a:ext cx="521119" cy="524951"/>
+            </a:xfrm>
+            <a:prstGeom prst="rect">
+              <a:avLst/>
+            </a:prstGeom>
+          </p:spPr>
+        </p:pic>
+      </p:grpSp>
+      <p:sp>
+        <p:nvSpPr>
+          <p:cNvPr id="28" name="テキスト ボックス 27"/>
+          <p:cNvSpPr txBox="1"/>
+          <p:nvPr/>
+        </p:nvSpPr>
+        <p:spPr>
+          <a:xfrm>
+            <a:off x="7346971" y="321042"/>
+            <a:ext cx="2578361" cy="461665"/>
+          </a:xfrm>
+          <a:prstGeom prst="rect">
+            <a:avLst/>
+          </a:prstGeom>
+          <a:solidFill>
+            <a:schemeClr val="accent2">
+              <a:lumMod val="60000"/>
+              <a:lumOff val="40000"/>
+            </a:schemeClr>
+          </a:solidFill>
+        </p:spPr>
+        <p:txBody>
+          <a:bodyPr wrap="square" rtlCol="0">
+            <a:spAutoFit/>
+          </a:bodyPr>
+          <a:lstStyle/>
+          <a:p>
+            <a:pPr algn="ctr"/>
+            <a:r>
+              <a:rPr kumimoji="1" lang="ja-JP" altLang="en-US" sz="2400" dirty="0" smtClean="0"/>
+              <a:t>疾走距離を</a:t>
+            </a:r>
+            <a:r>
+              <a:rPr kumimoji="1" lang="ja-JP" altLang="en-US" sz="2400" dirty="0" smtClean="0"/>
+              <a:t>競う</a:t>
+            </a:r>
+            <a:endParaRPr kumimoji="1" lang="ja-JP" altLang="en-US" sz="2400" dirty="0"/>
+          </a:p>
+        </p:txBody>
+      </p:sp>
+      <p:sp>
+        <p:nvSpPr>
+          <p:cNvPr id="35" name="テキスト ボックス 34"/>
+          <p:cNvSpPr txBox="1"/>
+          <p:nvPr/>
+        </p:nvSpPr>
+        <p:spPr>
+          <a:xfrm>
+            <a:off x="1387496" y="2761856"/>
+            <a:ext cx="1781879" cy="830997"/>
+          </a:xfrm>
+          <a:prstGeom prst="rect">
+            <a:avLst/>
+          </a:prstGeom>
+          <a:solidFill>
+            <a:schemeClr val="accent2">
+              <a:lumMod val="60000"/>
+              <a:lumOff val="40000"/>
+            </a:schemeClr>
+          </a:solidFill>
+        </p:spPr>
+        <p:txBody>
+          <a:bodyPr wrap="square" rtlCol="0">
+            <a:spAutoFit/>
+          </a:bodyPr>
+          <a:lstStyle/>
+          <a:p>
+            <a:pPr algn="ctr"/>
+            <a:r>
+              <a:rPr lang="ja-JP" altLang="en-US" sz="2400" dirty="0" smtClean="0"/>
+              <a:t>プレイヤー</a:t>
+            </a:r>
+            <a:r>
+              <a:rPr lang="en-US" altLang="ja-JP" sz="2400" dirty="0" smtClean="0"/>
+              <a:t>(</a:t>
+            </a:r>
+            <a:r>
+              <a:rPr lang="ja-JP" altLang="en-US" sz="2400" dirty="0" smtClean="0"/>
+              <a:t>仮</a:t>
+            </a:r>
+            <a:r>
+              <a:rPr lang="en-US" altLang="ja-JP" sz="2400" dirty="0" smtClean="0"/>
+              <a:t>)</a:t>
+            </a:r>
+            <a:endParaRPr kumimoji="1" lang="en-US" altLang="ja-JP" sz="2400" dirty="0" smtClean="0"/>
+          </a:p>
+        </p:txBody>
+      </p:sp>
+      <p:sp>
+        <p:nvSpPr>
+          <p:cNvPr id="36" name="テキスト ボックス 35"/>
+          <p:cNvSpPr txBox="1"/>
+          <p:nvPr/>
+        </p:nvSpPr>
+        <p:spPr>
+          <a:xfrm>
+            <a:off x="5607761" y="3274236"/>
+            <a:ext cx="3028391" cy="830997"/>
+          </a:xfrm>
+          <a:prstGeom prst="rect">
+            <a:avLst/>
+          </a:prstGeom>
+          <a:solidFill>
+            <a:schemeClr val="accent2">
+              <a:lumMod val="60000"/>
+              <a:lumOff val="40000"/>
+            </a:schemeClr>
+          </a:solidFill>
+        </p:spPr>
+        <p:txBody>
+          <a:bodyPr wrap="square" rtlCol="0">
+            <a:spAutoFit/>
+          </a:bodyPr>
+          <a:lstStyle/>
+          <a:p>
+            <a:pPr algn="ctr"/>
+            <a:r>
+              <a:rPr lang="ja-JP" altLang="en-US" sz="2400" dirty="0"/>
+              <a:t>トラップ</a:t>
+            </a:r>
+            <a:r>
+              <a:rPr lang="ja-JP" altLang="en-US" sz="2400" dirty="0" smtClean="0"/>
+              <a:t>に当たると</a:t>
+            </a:r>
+            <a:endParaRPr lang="en-US" altLang="ja-JP" sz="2400" dirty="0" smtClean="0"/>
+          </a:p>
+          <a:p>
+            <a:pPr algn="ctr"/>
+            <a:r>
+              <a:rPr lang="ja-JP" altLang="en-US" sz="2400" dirty="0" smtClean="0"/>
+              <a:t>ダメージ</a:t>
+            </a:r>
+            <a:endParaRPr kumimoji="1" lang="en-US" altLang="ja-JP" sz="2400" dirty="0" smtClean="0"/>
+          </a:p>
+        </p:txBody>
+      </p:sp>
+      <p:pic>
+        <p:nvPicPr>
+          <p:cNvPr id="29" name="図 28"/>
+          <p:cNvPicPr>
+            <a:picLocks noChangeAspect="1"/>
+          </p:cNvPicPr>
+          <p:nvPr/>
+        </p:nvPicPr>
+        <p:blipFill rotWithShape="1">
+          <a:blip r:embed="rId7" cstate="print">
+            <a:extLst>
+              <a:ext uri="{28A0092B-C50C-407E-A947-70E740481C1C}">
+                <a14:useLocalDpi xmlns:a14="http://schemas.microsoft.com/office/drawing/2010/main" val="0"/>
+              </a:ext>
+            </a:extLst>
+          </a:blip>
+          <a:srcRect l="27604" t="19307" r="10603" b="2564"/>
+          <a:stretch/>
+        </p:blipFill>
+        <p:spPr>
+          <a:xfrm rot="2091790">
+            <a:off x="5809559" y="4101253"/>
+            <a:ext cx="2076176" cy="1968814"/>
+          </a:xfrm>
+          <a:prstGeom prst="ellipse">
+            <a:avLst/>
+          </a:prstGeom>
+        </p:spPr>
+      </p:pic>
+      <p:sp>
+        <p:nvSpPr>
+          <p:cNvPr id="38" name="テキスト ボックス 37"/>
+          <p:cNvSpPr txBox="1"/>
+          <p:nvPr/>
+        </p:nvSpPr>
+        <p:spPr>
+          <a:xfrm>
+            <a:off x="2639132" y="183749"/>
+            <a:ext cx="2968629" cy="830997"/>
+          </a:xfrm>
+          <a:prstGeom prst="rect">
+            <a:avLst/>
+          </a:prstGeom>
+          <a:solidFill>
+            <a:schemeClr val="accent2">
+              <a:lumMod val="60000"/>
+              <a:lumOff val="40000"/>
+            </a:schemeClr>
+          </a:solidFill>
+        </p:spPr>
+        <p:txBody>
+          <a:bodyPr wrap="square" rtlCol="0">
+            <a:spAutoFit/>
+          </a:bodyPr>
+          <a:lstStyle/>
+          <a:p>
+            <a:pPr algn="ctr"/>
+            <a:r>
+              <a:rPr lang="ja-JP" altLang="en-US" sz="2400" dirty="0"/>
+              <a:t>ライフ</a:t>
+            </a:r>
+            <a:r>
+              <a:rPr lang="ja-JP" altLang="en-US" sz="2400" dirty="0" smtClean="0"/>
+              <a:t>がなくなるとゲームオーバー</a:t>
+            </a:r>
+            <a:endParaRPr kumimoji="1" lang="en-US" altLang="ja-JP" sz="2400" dirty="0" smtClean="0"/>
+          </a:p>
+        </p:txBody>
+      </p:sp>
+      <p:sp>
+        <p:nvSpPr>
+          <p:cNvPr id="41" name="テキスト ボックス 40"/>
+          <p:cNvSpPr txBox="1"/>
+          <p:nvPr/>
+        </p:nvSpPr>
+        <p:spPr>
+          <a:xfrm>
+            <a:off x="8040074" y="5270172"/>
+            <a:ext cx="2186987" cy="830997"/>
+          </a:xfrm>
+          <a:prstGeom prst="rect">
+            <a:avLst/>
+          </a:prstGeom>
+          <a:solidFill>
+            <a:schemeClr val="accent2">
+              <a:lumMod val="60000"/>
+              <a:lumOff val="40000"/>
+            </a:schemeClr>
+          </a:solidFill>
+        </p:spPr>
+        <p:txBody>
+          <a:bodyPr wrap="square" rtlCol="0">
+            <a:spAutoFit/>
+          </a:bodyPr>
+          <a:lstStyle/>
+          <a:p>
+            <a:pPr algn="ctr"/>
+            <a:r>
+              <a:rPr lang="ja-JP" altLang="en-US" sz="2400" dirty="0" smtClean="0"/>
+              <a:t>アイテム拾う「回復」</a:t>
+            </a:r>
+            <a:endParaRPr kumimoji="1" lang="en-US" altLang="ja-JP" sz="2400" dirty="0" smtClean="0"/>
+          </a:p>
+        </p:txBody>
+      </p:sp>
+      <p:pic>
+        <p:nvPicPr>
+          <p:cNvPr id="40" name="図 39"/>
+          <p:cNvPicPr>
+            <a:picLocks noChangeAspect="1"/>
+          </p:cNvPicPr>
+          <p:nvPr/>
+        </p:nvPicPr>
+        <p:blipFill>
+          <a:blip r:embed="rId8">
+            <a:extLst>
+              <a:ext uri="{BEBA8EAE-BF5A-486C-A8C5-ECC9F3942E4B}">
+                <a14:imgProps xmlns:a14="http://schemas.microsoft.com/office/drawing/2010/main">
+                  <a14:imgLayer r:embed="rId9">
+                    <a14:imgEffect>
+                      <a14:backgroundRemoval t="0" b="93750" l="6250" r="87500">
+                        <a14:foregroundMark x1="25000" y1="18750" x2="25000" y2="18750"/>
+                        <a14:foregroundMark x1="25000" y1="68750" x2="25000" y2="68750"/>
+                        <a14:foregroundMark x1="68750" y1="68750" x2="68750" y2="68750"/>
+                        <a14:foregroundMark x1="68750" y1="18750" x2="68750" y2="18750"/>
+                      </a14:backgroundRemoval>
+                    </a14:imgEffect>
+                  </a14:imgLayer>
+                </a14:imgProps>
+              </a:ext>
+              <a:ext uri="{28A0092B-C50C-407E-A947-70E740481C1C}">
+                <a14:useLocalDpi xmlns:a14="http://schemas.microsoft.com/office/drawing/2010/main" val="0"/>
+              </a:ext>
+            </a:extLst>
+          </a:blip>
+          <a:stretch>
+            <a:fillRect/>
+          </a:stretch>
+        </p:blipFill>
+        <p:spPr>
+          <a:xfrm>
+            <a:off x="8881514" y="3949381"/>
+            <a:ext cx="1136279" cy="1136279"/>
+          </a:xfrm>
+          <a:prstGeom prst="rect">
+            <a:avLst/>
+          </a:prstGeom>
+        </p:spPr>
+      </p:pic>
+      <p:pic>
+        <p:nvPicPr>
+          <p:cNvPr id="42" name="図 41"/>
+          <p:cNvPicPr>
+            <a:picLocks noChangeAspect="1"/>
+          </p:cNvPicPr>
+          <p:nvPr/>
+        </p:nvPicPr>
+        <p:blipFill>
+          <a:blip r:embed="rId8">
+            <a:extLst>
+              <a:ext uri="{BEBA8EAE-BF5A-486C-A8C5-ECC9F3942E4B}">
+                <a14:imgProps xmlns:a14="http://schemas.microsoft.com/office/drawing/2010/main">
+                  <a14:imgLayer r:embed="rId9">
+                    <a14:imgEffect>
+                      <a14:backgroundRemoval t="0" b="93750" l="6250" r="87500">
+                        <a14:foregroundMark x1="25000" y1="18750" x2="25000" y2="18750"/>
+                        <a14:foregroundMark x1="25000" y1="68750" x2="25000" y2="68750"/>
+                        <a14:foregroundMark x1="68750" y1="68750" x2="68750" y2="68750"/>
+                        <a14:foregroundMark x1="68750" y1="18750" x2="68750" y2="18750"/>
+                      </a14:backgroundRemoval>
+                    </a14:imgEffect>
+                  </a14:imgLayer>
+                </a14:imgProps>
+              </a:ext>
+              <a:ext uri="{28A0092B-C50C-407E-A947-70E740481C1C}">
+                <a14:useLocalDpi xmlns:a14="http://schemas.microsoft.com/office/drawing/2010/main" val="0"/>
+              </a:ext>
+            </a:extLst>
+          </a:blip>
+          <a:stretch>
+            <a:fillRect/>
+          </a:stretch>
+        </p:blipFill>
+        <p:spPr>
+          <a:xfrm>
+            <a:off x="10005122" y="3949381"/>
+            <a:ext cx="1136279" cy="1136279"/>
+          </a:xfrm>
+          <a:prstGeom prst="rect">
+            <a:avLst/>
+          </a:prstGeom>
+        </p:spPr>
+      </p:pic>
+      <p:pic>
+        <p:nvPicPr>
+          <p:cNvPr id="43" name="図 42"/>
+          <p:cNvPicPr>
+            <a:picLocks noChangeAspect="1"/>
+          </p:cNvPicPr>
+          <p:nvPr/>
+        </p:nvPicPr>
+        <p:blipFill>
+          <a:blip r:embed="rId8">
+            <a:extLst>
+              <a:ext uri="{BEBA8EAE-BF5A-486C-A8C5-ECC9F3942E4B}">
+                <a14:imgProps xmlns:a14="http://schemas.microsoft.com/office/drawing/2010/main">
+                  <a14:imgLayer r:embed="rId9">
+                    <a14:imgEffect>
+                      <a14:backgroundRemoval t="0" b="93750" l="6250" r="87500">
+                        <a14:foregroundMark x1="25000" y1="18750" x2="25000" y2="18750"/>
+                        <a14:foregroundMark x1="25000" y1="68750" x2="25000" y2="68750"/>
+                        <a14:foregroundMark x1="68750" y1="68750" x2="68750" y2="68750"/>
+                        <a14:foregroundMark x1="68750" y1="18750" x2="68750" y2="18750"/>
+                      </a14:backgroundRemoval>
+                    </a14:imgEffect>
+                  </a14:imgLayer>
+                </a14:imgProps>
+              </a:ext>
+              <a:ext uri="{28A0092B-C50C-407E-A947-70E740481C1C}">
+                <a14:useLocalDpi xmlns:a14="http://schemas.microsoft.com/office/drawing/2010/main" val="0"/>
+              </a:ext>
+            </a:extLst>
+          </a:blip>
+          <a:stretch>
+            <a:fillRect/>
+          </a:stretch>
+        </p:blipFill>
+        <p:spPr>
+          <a:xfrm>
+            <a:off x="11141401" y="3963582"/>
+            <a:ext cx="1136279" cy="1136279"/>
+          </a:xfrm>
+          <a:prstGeom prst="rect">
+            <a:avLst/>
+          </a:prstGeom>
+        </p:spPr>
+      </p:pic>
+      <p:pic>
+        <p:nvPicPr>
+          <p:cNvPr id="44" name="図 43"/>
+          <p:cNvPicPr>
+            <a:picLocks noChangeAspect="1"/>
+          </p:cNvPicPr>
+          <p:nvPr/>
+        </p:nvPicPr>
+        <p:blipFill>
+          <a:blip r:embed="rId8">
+            <a:extLst>
+              <a:ext uri="{BEBA8EAE-BF5A-486C-A8C5-ECC9F3942E4B}">
+                <a14:imgProps xmlns:a14="http://schemas.microsoft.com/office/drawing/2010/main">
+                  <a14:imgLayer r:embed="rId9">
+                    <a14:imgEffect>
+                      <a14:backgroundRemoval t="0" b="93750" l="6250" r="87500">
+                        <a14:foregroundMark x1="25000" y1="18750" x2="25000" y2="18750"/>
+                        <a14:foregroundMark x1="25000" y1="68750" x2="25000" y2="68750"/>
+                        <a14:foregroundMark x1="68750" y1="68750" x2="68750" y2="68750"/>
+                        <a14:foregroundMark x1="68750" y1="18750" x2="68750" y2="18750"/>
+                      </a14:backgroundRemoval>
+                    </a14:imgEffect>
+                  </a14:imgLayer>
+                </a14:imgProps>
+              </a:ext>
+              <a:ext uri="{28A0092B-C50C-407E-A947-70E740481C1C}">
+                <a14:useLocalDpi xmlns:a14="http://schemas.microsoft.com/office/drawing/2010/main" val="0"/>
+              </a:ext>
+            </a:extLst>
+          </a:blip>
+          <a:stretch>
+            <a:fillRect/>
+          </a:stretch>
+        </p:blipFill>
+        <p:spPr>
+          <a:xfrm>
+            <a:off x="118531" y="5819327"/>
+            <a:ext cx="1136279" cy="1136279"/>
+          </a:xfrm>
+          <a:prstGeom prst="rect">
+            <a:avLst/>
+          </a:prstGeom>
+        </p:spPr>
+      </p:pic>
+      <p:pic>
+        <p:nvPicPr>
+          <p:cNvPr id="46" name="図 45"/>
+          <p:cNvPicPr>
+            <a:picLocks noChangeAspect="1"/>
+          </p:cNvPicPr>
+          <p:nvPr/>
+        </p:nvPicPr>
+        <p:blipFill rotWithShape="1">
+          <a:blip r:embed="rId10" cstate="print">
+            <a:extLst>
+              <a:ext uri="{28A0092B-C50C-407E-A947-70E740481C1C}">
+                <a14:useLocalDpi xmlns:a14="http://schemas.microsoft.com/office/drawing/2010/main" val="0"/>
+              </a:ext>
+            </a:extLst>
+          </a:blip>
+          <a:srcRect l="27604" t="19307" r="10603" b="2564"/>
+          <a:stretch/>
+        </p:blipFill>
+        <p:spPr>
+          <a:xfrm rot="18485985">
+            <a:off x="2812370" y="1215677"/>
+            <a:ext cx="1045664" cy="991592"/>
+          </a:xfrm>
+          <a:prstGeom prst="ellipse">
+            <a:avLst/>
+          </a:prstGeom>
+        </p:spPr>
+      </p:pic>
+      <p:pic>
+        <p:nvPicPr>
+          <p:cNvPr id="47" name="図 46"/>
+          <p:cNvPicPr>
+            <a:picLocks noChangeAspect="1"/>
+          </p:cNvPicPr>
+          <p:nvPr/>
+        </p:nvPicPr>
+        <p:blipFill>
+          <a:blip r:embed="rId8">
+            <a:extLst>
+              <a:ext uri="{BEBA8EAE-BF5A-486C-A8C5-ECC9F3942E4B}">
+                <a14:imgProps xmlns:a14="http://schemas.microsoft.com/office/drawing/2010/main">
+                  <a14:imgLayer r:embed="rId9">
+                    <a14:imgEffect>
+                      <a14:backgroundRemoval t="0" b="93750" l="6250" r="87500">
+                        <a14:foregroundMark x1="25000" y1="18750" x2="25000" y2="18750"/>
+                        <a14:foregroundMark x1="25000" y1="68750" x2="25000" y2="68750"/>
+                        <a14:foregroundMark x1="68750" y1="68750" x2="68750" y2="68750"/>
+                        <a14:foregroundMark x1="68750" y1="18750" x2="68750" y2="18750"/>
+                      </a14:backgroundRemoval>
+                    </a14:imgEffect>
+                  </a14:imgLayer>
+                </a14:imgProps>
+              </a:ext>
+              <a:ext uri="{28A0092B-C50C-407E-A947-70E740481C1C}">
+                <a14:useLocalDpi xmlns:a14="http://schemas.microsoft.com/office/drawing/2010/main" val="0"/>
+              </a:ext>
+            </a:extLst>
+          </a:blip>
+          <a:stretch>
+            <a:fillRect/>
+          </a:stretch>
+        </p:blipFill>
+        <p:spPr>
+          <a:xfrm>
+            <a:off x="541640" y="4841804"/>
+            <a:ext cx="1136279" cy="1136279"/>
+          </a:xfrm>
+          <a:prstGeom prst="rect">
+            <a:avLst/>
+          </a:prstGeom>
+        </p:spPr>
+      </p:pic>
+      <p:pic>
+        <p:nvPicPr>
+          <p:cNvPr id="48" name="図 47"/>
+          <p:cNvPicPr>
+            <a:picLocks noChangeAspect="1"/>
+          </p:cNvPicPr>
+          <p:nvPr/>
+        </p:nvPicPr>
+        <p:blipFill>
+          <a:blip r:embed="rId8">
+            <a:extLst>
+              <a:ext uri="{BEBA8EAE-BF5A-486C-A8C5-ECC9F3942E4B}">
+                <a14:imgProps xmlns:a14="http://schemas.microsoft.com/office/drawing/2010/main">
+                  <a14:imgLayer r:embed="rId9">
+                    <a14:imgEffect>
+                      <a14:backgroundRemoval t="0" b="93750" l="6250" r="87500">
+                        <a14:foregroundMark x1="25000" y1="18750" x2="25000" y2="18750"/>
+                        <a14:foregroundMark x1="25000" y1="68750" x2="25000" y2="68750"/>
+                        <a14:foregroundMark x1="68750" y1="68750" x2="68750" y2="68750"/>
+                        <a14:foregroundMark x1="68750" y1="18750" x2="68750" y2="18750"/>
+                      </a14:backgroundRemoval>
+                    </a14:imgEffect>
+                  </a14:imgLayer>
+                </a14:imgProps>
+              </a:ext>
+              <a:ext uri="{28A0092B-C50C-407E-A947-70E740481C1C}">
+                <a14:useLocalDpi xmlns:a14="http://schemas.microsoft.com/office/drawing/2010/main" val="0"/>
+              </a:ext>
+            </a:extLst>
+          </a:blip>
+          <a:stretch>
+            <a:fillRect/>
+          </a:stretch>
+        </p:blipFill>
+        <p:spPr>
+          <a:xfrm>
+            <a:off x="967549" y="3795303"/>
+            <a:ext cx="1136279" cy="1136279"/>
+          </a:xfrm>
+          <a:prstGeom prst="rect">
+            <a:avLst/>
+          </a:prstGeom>
+        </p:spPr>
+      </p:pic>
+      <p:sp>
+        <p:nvSpPr>
+          <p:cNvPr id="39" name="楕円 38"/>
+          <p:cNvSpPr/>
+          <p:nvPr/>
+        </p:nvSpPr>
+        <p:spPr>
+          <a:xfrm>
+            <a:off x="2969515" y="4641426"/>
+            <a:ext cx="655782" cy="476715"/>
+          </a:xfrm>
+          <a:prstGeom prst="ellipse">
+            <a:avLst/>
+          </a:prstGeom>
+          <a:solidFill>
+            <a:schemeClr val="tx1">
+              <a:lumMod val="65000"/>
+              <a:lumOff val="35000"/>
+            </a:schemeClr>
+          </a:solidFill>
+          <a:ln>
+            <a:solidFill>
+              <a:schemeClr val="tx1">
+                <a:lumMod val="75000"/>
+                <a:lumOff val="25000"/>
+              </a:schemeClr>
+            </a:solidFill>
+          </a:ln>
+        </p:spPr>
+        <p:style>
+          <a:lnRef idx="2">
+            <a:schemeClr val="accent1">
+              <a:shade val="50000"/>
+            </a:schemeClr>
+          </a:lnRef>
+          <a:fillRef idx="1">
+            <a:schemeClr val="accent1"/>
+          </a:fillRef>
+          <a:effectRef idx="0">
+            <a:schemeClr val="accent1"/>
+          </a:effectRef>
+          <a:fontRef idx="minor">
+            <a:schemeClr val="lt1"/>
+          </a:fontRef>
+        </p:style>
+        <p:txBody>
+          <a:bodyPr rtlCol="0" anchor="ctr"/>
+          <a:lstStyle/>
+          <a:p>
+            <a:pPr algn="ctr"/>
+            <a:endParaRPr kumimoji="1" lang="ja-JP" altLang="en-US">
+              <a:solidFill>
+                <a:srgbClr val="FF0000"/>
+              </a:solidFill>
+            </a:endParaRPr>
+          </a:p>
+        </p:txBody>
+      </p:sp>
+      <p:sp>
+        <p:nvSpPr>
+          <p:cNvPr id="49" name="楕円 48"/>
+          <p:cNvSpPr/>
+          <p:nvPr/>
+        </p:nvSpPr>
+        <p:spPr>
+          <a:xfrm>
+            <a:off x="3443747" y="5722060"/>
+            <a:ext cx="2164014" cy="933490"/>
+          </a:xfrm>
+          <a:prstGeom prst="ellipse">
+            <a:avLst/>
+          </a:prstGeom>
+          <a:solidFill>
+            <a:schemeClr val="tx1">
+              <a:lumMod val="65000"/>
+              <a:lumOff val="35000"/>
+            </a:schemeClr>
+          </a:solidFill>
+          <a:ln>
+            <a:solidFill>
+              <a:schemeClr val="tx1">
+                <a:lumMod val="75000"/>
+                <a:lumOff val="25000"/>
+              </a:schemeClr>
+            </a:solidFill>
+          </a:ln>
+        </p:spPr>
+        <p:style>
+          <a:lnRef idx="2">
+            <a:schemeClr val="accent1">
+              <a:shade val="50000"/>
+            </a:schemeClr>
+          </a:lnRef>
+          <a:fillRef idx="1">
+            <a:schemeClr val="accent1"/>
+          </a:fillRef>
+          <a:effectRef idx="0">
+            <a:schemeClr val="accent1"/>
+          </a:effectRef>
+          <a:fontRef idx="minor">
+            <a:schemeClr val="lt1"/>
+          </a:fontRef>
+        </p:style>
+        <p:txBody>
+          <a:bodyPr rtlCol="0" anchor="ctr"/>
+          <a:lstStyle/>
+          <a:p>
+            <a:pPr algn="ctr"/>
+            <a:endParaRPr kumimoji="1" lang="ja-JP" altLang="en-US">
+              <a:solidFill>
+                <a:srgbClr val="FF0000"/>
+              </a:solidFill>
+            </a:endParaRPr>
+          </a:p>
+        </p:txBody>
+      </p:sp>
+      <p:pic>
+        <p:nvPicPr>
+          <p:cNvPr id="9" name="図 8"/>
+          <p:cNvPicPr>
+            <a:picLocks noChangeAspect="1"/>
+          </p:cNvPicPr>
+          <p:nvPr/>
+        </p:nvPicPr>
+        <p:blipFill rotWithShape="1">
+          <a:blip r:embed="rId11" cstate="print">
+            <a:extLst>
+              <a:ext uri="{28A0092B-C50C-407E-A947-70E740481C1C}">
+                <a14:useLocalDpi xmlns:a14="http://schemas.microsoft.com/office/drawing/2010/main" val="0"/>
+              </a:ext>
+            </a:extLst>
+          </a:blip>
+          <a:srcRect r="82173"/>
+          <a:stretch/>
+        </p:blipFill>
+        <p:spPr>
+          <a:xfrm>
+            <a:off x="3594720" y="3417038"/>
+            <a:ext cx="1948107" cy="3069737"/>
+          </a:xfrm>
+          <a:prstGeom prst="rect">
+            <a:avLst/>
+          </a:prstGeom>
+        </p:spPr>
+      </p:pic>
+    </p:spTree>
+    <p:extLst>
+      <p:ext uri="{BB962C8B-B14F-4D97-AF65-F5344CB8AC3E}">
+        <p14:creationId xmlns:p14="http://schemas.microsoft.com/office/powerpoint/2010/main" val="3666447696"/>
+      </p:ext>
+    </p:extLst>
+  </p:cSld>
+  <p:clrMapOvr>
+    <a:masterClrMapping/>
+  </p:clrMapOvr>
+  <p:timing>
+    <p:tnLst>
+      <p:par>
+        <p:cTn id="1" dur="indefinite" restart="never" nodeType="tmRoot"/>
+      </p:par>
+    </p:tnLst>
+  </p:timing>
+</p:sld>
+</file>
+
 <file path=ppt/theme/theme1.xml><?xml version="1.0" encoding="utf-8"?>
 <a:theme xmlns:a="http://schemas.openxmlformats.org/drawingml/2006/main" name="メイン イベント">
   <a:themeElements>
@@ -8565,4 +10775,265 @@
     </a:ext>
   </a:extLst>
 </a:theme>
+</file>
+
+<file path=ppt/theme/theme2.xml><?xml version="1.0" encoding="utf-8"?>
+<a:theme xmlns:a="http://schemas.openxmlformats.org/drawingml/2006/main" name="Office テーマ">
+  <a:themeElements>
+    <a:clrScheme name="Office">
+      <a:dk1>
+        <a:sysClr val="windowText" lastClr="000000"/>
+      </a:dk1>
+      <a:lt1>
+        <a:sysClr val="window" lastClr="FFFFFF"/>
+      </a:lt1>
+      <a:dk2>
+        <a:srgbClr val="44546A"/>
+      </a:dk2>
+      <a:lt2>
+        <a:srgbClr val="E7E6E6"/>
+      </a:lt2>
+      <a:accent1>
+        <a:srgbClr val="5B9BD5"/>
+      </a:accent1>
+      <a:accent2>
+        <a:srgbClr val="ED7D31"/>
+      </a:accent2>
+      <a:accent3>
+        <a:srgbClr val="A5A5A5"/>
+      </a:accent3>
+      <a:accent4>
+        <a:srgbClr val="FFC000"/>
+      </a:accent4>
+      <a:accent5>
+        <a:srgbClr val="4472C4"/>
+      </a:accent5>
+      <a:accent6>
+        <a:srgbClr val="70AD47"/>
+      </a:accent6>
+      <a:hlink>
+        <a:srgbClr val="0563C1"/>
+      </a:hlink>
+      <a:folHlink>
+        <a:srgbClr val="954F72"/>
+      </a:folHlink>
+    </a:clrScheme>
+    <a:fontScheme name="Office">
+      <a:majorFont>
+        <a:latin typeface="游ゴシック Light" panose="020F0302020204030204"/>
+        <a:ea typeface=""/>
+        <a:cs typeface=""/>
+        <a:font script="Jpan" typeface="游ゴシック Light"/>
+        <a:font script="Hang" typeface="맑은 고딕"/>
+        <a:font script="Hans" typeface="等线 Light"/>
+        <a:font script="Hant" typeface="新細明體"/>
+        <a:font script="Arab" typeface="Times New Roman"/>
+        <a:font script="Hebr" typeface="Times New Roman"/>
+        <a:font script="Thai" typeface="Angsana New"/>
+        <a:font script="Ethi" typeface="Nyala"/>
+        <a:font script="Beng" typeface="Vrinda"/>
+        <a:font script="Gujr" typeface="Shruti"/>
+        <a:font script="Khmr" typeface="MoolBoran"/>
+        <a:font script="Knda" typeface="Tunga"/>
+        <a:font script="Guru" typeface="Raavi"/>
+        <a:font script="Cans" typeface="Euphemia"/>
+        <a:font script="Cher" typeface="Plantagenet Cherokee"/>
+        <a:font script="Yiii" typeface="Microsoft Yi Baiti"/>
+        <a:font script="Tibt" typeface="Microsoft Himalaya"/>
+        <a:font script="Thaa" typeface="MV Boli"/>
+        <a:font script="Deva" typeface="Mangal"/>
+        <a:font script="Telu" typeface="Gautami"/>
+        <a:font script="Taml" typeface="Latha"/>
+        <a:font script="Syrc" typeface="Estrangelo Edessa"/>
+        <a:font script="Orya" typeface="Kalinga"/>
+        <a:font script="Mlym" typeface="Kartika"/>
+        <a:font script="Laoo" typeface="DokChampa"/>
+        <a:font script="Sinh" typeface="Iskoola Pota"/>
+        <a:font script="Mong" typeface="Mongolian Baiti"/>
+        <a:font script="Viet" typeface="Times New Roman"/>
+        <a:font script="Uigh" typeface="Microsoft Uighur"/>
+        <a:font script="Geor" typeface="Sylfaen"/>
+      </a:majorFont>
+      <a:minorFont>
+        <a:latin typeface="游ゴシック" panose="020F0502020204030204"/>
+        <a:ea typeface=""/>
+        <a:cs typeface=""/>
+        <a:font script="Jpan" typeface="游ゴシック"/>
+        <a:font script="Hang" typeface="맑은 고딕"/>
+        <a:font script="Hans" typeface="等线"/>
+        <a:font script="Hant" typeface="新細明體"/>
+        <a:font script="Arab" typeface="Arial"/>
+        <a:font script="Hebr" typeface="Arial"/>
+        <a:font script="Thai" typeface="Cordia New"/>
+        <a:font script="Ethi" typeface="Nyala"/>
+        <a:font script="Beng" typeface="Vrinda"/>
+        <a:font script="Gujr" typeface="Shruti"/>
+        <a:font script="Khmr" typeface="DaunPenh"/>
+        <a:font script="Knda" typeface="Tunga"/>
+        <a:font script="Guru" typeface="Raavi"/>
+        <a:font script="Cans" typeface="Euphemia"/>
+        <a:font script="Cher" typeface="Plantagenet Cherokee"/>
+        <a:font script="Yiii" typeface="Microsoft Yi Baiti"/>
+        <a:font script="Tibt" typeface="Microsoft Himalaya"/>
+        <a:font script="Thaa" typeface="MV Boli"/>
+        <a:font script="Deva" typeface="Mangal"/>
+        <a:font script="Telu" typeface="Gautami"/>
+        <a:font script="Taml" typeface="Latha"/>
+        <a:font script="Syrc" typeface="Estrangelo Edessa"/>
+        <a:font script="Orya" typeface="Kalinga"/>
+        <a:font script="Mlym" typeface="Kartika"/>
+        <a:font script="Laoo" typeface="DokChampa"/>
+        <a:font script="Sinh" typeface="Iskoola Pota"/>
+        <a:font script="Mong" typeface="Mongolian Baiti"/>
+        <a:font script="Viet" typeface="Arial"/>
+        <a:font script="Uigh" typeface="Microsoft Uighur"/>
+        <a:font script="Geor" typeface="Sylfaen"/>
+      </a:minorFont>
+    </a:fontScheme>
+    <a:fmtScheme name="Office">
+      <a:fillStyleLst>
+        <a:solidFill>
+          <a:schemeClr val="phClr"/>
+        </a:solidFill>
+        <a:gradFill rotWithShape="1">
+          <a:gsLst>
+            <a:gs pos="0">
+              <a:schemeClr val="phClr">
+                <a:lumMod val="110000"/>
+                <a:satMod val="105000"/>
+                <a:tint val="67000"/>
+              </a:schemeClr>
+            </a:gs>
+            <a:gs pos="50000">
+              <a:schemeClr val="phClr">
+                <a:lumMod val="105000"/>
+                <a:satMod val="103000"/>
+                <a:tint val="73000"/>
+              </a:schemeClr>
+            </a:gs>
+            <a:gs pos="100000">
+              <a:schemeClr val="phClr">
+                <a:lumMod val="105000"/>
+                <a:satMod val="109000"/>
+                <a:tint val="81000"/>
+              </a:schemeClr>
+            </a:gs>
+          </a:gsLst>
+          <a:lin ang="5400000" scaled="0"/>
+        </a:gradFill>
+        <a:gradFill rotWithShape="1">
+          <a:gsLst>
+            <a:gs pos="0">
+              <a:schemeClr val="phClr">
+                <a:satMod val="103000"/>
+                <a:lumMod val="102000"/>
+                <a:tint val="94000"/>
+              </a:schemeClr>
+            </a:gs>
+            <a:gs pos="50000">
+              <a:schemeClr val="phClr">
+                <a:satMod val="110000"/>
+                <a:lumMod val="100000"/>
+                <a:shade val="100000"/>
+              </a:schemeClr>
+            </a:gs>
+            <a:gs pos="100000">
+              <a:schemeClr val="phClr">
+                <a:lumMod val="99000"/>
+                <a:satMod val="120000"/>
+                <a:shade val="78000"/>
+              </a:schemeClr>
+            </a:gs>
+          </a:gsLst>
+          <a:lin ang="5400000" scaled="0"/>
+        </a:gradFill>
+      </a:fillStyleLst>
+      <a:lnStyleLst>
+        <a:ln w="6350" cap="flat" cmpd="sng" algn="ctr">
+          <a:solidFill>
+            <a:schemeClr val="phClr"/>
+          </a:solidFill>
+          <a:prstDash val="solid"/>
+          <a:miter lim="800000"/>
+        </a:ln>
+        <a:ln w="12700" cap="flat" cmpd="sng" algn="ctr">
+          <a:solidFill>
+            <a:schemeClr val="phClr"/>
+          </a:solidFill>
+          <a:prstDash val="solid"/>
+          <a:miter lim="800000"/>
+        </a:ln>
+        <a:ln w="19050" cap="flat" cmpd="sng" algn="ctr">
+          <a:solidFill>
+            <a:schemeClr val="phClr"/>
+          </a:solidFill>
+          <a:prstDash val="solid"/>
+          <a:miter lim="800000"/>
+        </a:ln>
+      </a:lnStyleLst>
+      <a:effectStyleLst>
+        <a:effectStyle>
+          <a:effectLst/>
+        </a:effectStyle>
+        <a:effectStyle>
+          <a:effectLst/>
+        </a:effectStyle>
+        <a:effectStyle>
+          <a:effectLst>
+            <a:outerShdw blurRad="57150" dist="19050" dir="5400000" algn="ctr" rotWithShape="0">
+              <a:srgbClr val="000000">
+                <a:alpha val="63000"/>
+              </a:srgbClr>
+            </a:outerShdw>
+          </a:effectLst>
+        </a:effectStyle>
+      </a:effectStyleLst>
+      <a:bgFillStyleLst>
+        <a:solidFill>
+          <a:schemeClr val="phClr"/>
+        </a:solidFill>
+        <a:solidFill>
+          <a:schemeClr val="phClr">
+            <a:tint val="95000"/>
+            <a:satMod val="170000"/>
+          </a:schemeClr>
+        </a:solidFill>
+        <a:gradFill rotWithShape="1">
+          <a:gsLst>
+            <a:gs pos="0">
+              <a:schemeClr val="phClr">
+                <a:tint val="93000"/>
+                <a:satMod val="150000"/>
+                <a:shade val="98000"/>
+                <a:lumMod val="102000"/>
+              </a:schemeClr>
+            </a:gs>
+            <a:gs pos="50000">
+              <a:schemeClr val="phClr">
+                <a:tint val="98000"/>
+                <a:satMod val="130000"/>
+                <a:shade val="90000"/>
+                <a:lumMod val="103000"/>
+              </a:schemeClr>
+            </a:gs>
+            <a:gs pos="100000">
+              <a:schemeClr val="phClr">
+                <a:shade val="63000"/>
+                <a:satMod val="120000"/>
+              </a:schemeClr>
+            </a:gs>
+          </a:gsLst>
+          <a:lin ang="5400000" scaled="0"/>
+        </a:gradFill>
+      </a:bgFillStyleLst>
+    </a:fmtScheme>
+  </a:themeElements>
+  <a:objectDefaults/>
+  <a:extraClrSchemeLst/>
+  <a:extLst>
+    <a:ext uri="{05A4C25C-085E-4340-85A3-A5531E510DB2}">
+      <thm15:themeFamily xmlns:thm15="http://schemas.microsoft.com/office/thememl/2012/main" name="Office Theme" id="{62F939B6-93AF-4DB8-9C6B-D6C7DFDC589F}" vid="{4A3C46E8-61CC-4603-A589-7422A47A8E4A}"/>
+    </a:ext>
+  </a:extLst>
+</a:theme>
 </file>
--- a/高松　企画書.pptx
+++ b/高松　企画書.pptx
@@ -8853,7 +8853,7 @@
           <a:p>
             <a:r>
               <a:rPr kumimoji="1" lang="ja-JP" altLang="en-US" sz="2400" b="1" dirty="0" smtClean="0"/>
-              <a:t>ブラッシュアップ</a:t>
+              <a:t>ブラッシュアップ１</a:t>
             </a:r>
             <a:endParaRPr kumimoji="1" lang="ja-JP" altLang="en-US" sz="2400" b="1" dirty="0"/>
           </a:p>
@@ -9881,11 +9881,7 @@
             <a:pPr algn="ctr"/>
             <a:r>
               <a:rPr kumimoji="1" lang="ja-JP" altLang="en-US" sz="2400" dirty="0" smtClean="0"/>
-              <a:t>疾走距離を</a:t>
-            </a:r>
-            <a:r>
-              <a:rPr kumimoji="1" lang="ja-JP" altLang="en-US" sz="2400" dirty="0" smtClean="0"/>
-              <a:t>競う</a:t>
+              <a:t>疾走距離を競う</a:t>
             </a:r>
             <a:endParaRPr kumimoji="1" lang="ja-JP" altLang="en-US" sz="2400" dirty="0"/>
           </a:p>

--- a/高松　企画書.pptx
+++ b/高松　企画書.pptx
@@ -5,15 +5,12 @@
     <p:sldMasterId id="2147483660" r:id="rId1"/>
   </p:sldMasterIdLst>
   <p:notesMasterIdLst>
-    <p:notesMasterId r:id="rId8"/>
+    <p:notesMasterId r:id="rId5"/>
   </p:notesMasterIdLst>
   <p:sldIdLst>
     <p:sldId id="256" r:id="rId2"/>
-    <p:sldId id="258" r:id="rId3"/>
-    <p:sldId id="257" r:id="rId4"/>
-    <p:sldId id="259" r:id="rId5"/>
-    <p:sldId id="260" r:id="rId6"/>
-    <p:sldId id="261" r:id="rId7"/>
+    <p:sldId id="260" r:id="rId3"/>
+    <p:sldId id="261" r:id="rId4"/>
   </p:sldIdLst>
   <p:sldSz cx="12192000" cy="6858000"/>
   <p:notesSz cx="6858000" cy="9144000"/>
@@ -202,7 +199,7 @@
           <a:p>
             <a:fld id="{0500F34C-7F0A-4D87-8FCD-C562DDBE3B3B}" type="datetimeFigureOut">
               <a:rPr kumimoji="1" lang="ja-JP" altLang="en-US" smtClean="0"/>
-              <a:t>2023/3/2</a:t>
+              <a:t>2023/3/3</a:t>
             </a:fld>
             <a:endParaRPr kumimoji="1" lang="ja-JP" altLang="en-US"/>
           </a:p>
@@ -567,7 +564,7 @@
           <a:p>
             <a:fld id="{523CFAC8-B512-4276-9044-451557D9E452}" type="slidenum">
               <a:rPr kumimoji="1" lang="ja-JP" altLang="en-US" smtClean="0"/>
-              <a:t>6</a:t>
+              <a:t>3</a:t>
             </a:fld>
             <a:endParaRPr kumimoji="1" lang="ja-JP" altLang="en-US"/>
           </a:p>
@@ -1039,7 +1036,7 @@
           <a:p>
             <a:fld id="{AD130582-2839-4B18-8352-5305C3791B90}" type="datetimeFigureOut">
               <a:rPr kumimoji="1" lang="ja-JP" altLang="en-US" smtClean="0"/>
-              <a:t>2023/3/2</a:t>
+              <a:t>2023/3/3</a:t>
             </a:fld>
             <a:endParaRPr kumimoji="1" lang="ja-JP" altLang="en-US"/>
           </a:p>
@@ -1371,7 +1368,7 @@
           <a:p>
             <a:fld id="{AD130582-2839-4B18-8352-5305C3791B90}" type="datetimeFigureOut">
               <a:rPr kumimoji="1" lang="ja-JP" altLang="en-US" smtClean="0"/>
-              <a:t>2023/3/2</a:t>
+              <a:t>2023/3/3</a:t>
             </a:fld>
             <a:endParaRPr kumimoji="1" lang="ja-JP" altLang="en-US"/>
           </a:p>
@@ -1567,7 +1564,7 @@
           <a:p>
             <a:fld id="{AD130582-2839-4B18-8352-5305C3791B90}" type="datetimeFigureOut">
               <a:rPr kumimoji="1" lang="ja-JP" altLang="en-US" smtClean="0"/>
-              <a:t>2023/3/2</a:t>
+              <a:t>2023/3/3</a:t>
             </a:fld>
             <a:endParaRPr kumimoji="1" lang="ja-JP" altLang="en-US"/>
           </a:p>
@@ -1837,7 +1834,7 @@
           <a:p>
             <a:fld id="{AD130582-2839-4B18-8352-5305C3791B90}" type="datetimeFigureOut">
               <a:rPr kumimoji="1" lang="ja-JP" altLang="en-US" smtClean="0"/>
-              <a:t>2023/3/2</a:t>
+              <a:t>2023/3/3</a:t>
             </a:fld>
             <a:endParaRPr kumimoji="1" lang="ja-JP" altLang="en-US"/>
           </a:p>
@@ -2265,7 +2262,7 @@
           <a:p>
             <a:fld id="{AD130582-2839-4B18-8352-5305C3791B90}" type="datetimeFigureOut">
               <a:rPr kumimoji="1" lang="ja-JP" altLang="en-US" smtClean="0"/>
-              <a:t>2023/3/2</a:t>
+              <a:t>2023/3/3</a:t>
             </a:fld>
             <a:endParaRPr kumimoji="1" lang="ja-JP" altLang="en-US"/>
           </a:p>
@@ -2815,7 +2812,7 @@
           <a:p>
             <a:fld id="{AD130582-2839-4B18-8352-5305C3791B90}" type="datetimeFigureOut">
               <a:rPr kumimoji="1" lang="ja-JP" altLang="en-US" smtClean="0"/>
-              <a:t>2023/3/2</a:t>
+              <a:t>2023/3/3</a:t>
             </a:fld>
             <a:endParaRPr kumimoji="1" lang="ja-JP" altLang="en-US"/>
           </a:p>
@@ -3605,7 +3602,7 @@
           <a:p>
             <a:fld id="{AD130582-2839-4B18-8352-5305C3791B90}" type="datetimeFigureOut">
               <a:rPr kumimoji="1" lang="ja-JP" altLang="en-US" smtClean="0"/>
-              <a:t>2023/3/2</a:t>
+              <a:t>2023/3/3</a:t>
             </a:fld>
             <a:endParaRPr kumimoji="1" lang="ja-JP" altLang="en-US"/>
           </a:p>
@@ -3816,7 +3813,7 @@
           <a:p>
             <a:fld id="{AD130582-2839-4B18-8352-5305C3791B90}" type="datetimeFigureOut">
               <a:rPr kumimoji="1" lang="ja-JP" altLang="en-US" smtClean="0"/>
-              <a:t>2023/3/2</a:t>
+              <a:t>2023/3/3</a:t>
             </a:fld>
             <a:endParaRPr kumimoji="1" lang="ja-JP" altLang="en-US"/>
           </a:p>
@@ -4032,7 +4029,7 @@
           <a:p>
             <a:fld id="{AD130582-2839-4B18-8352-5305C3791B90}" type="datetimeFigureOut">
               <a:rPr kumimoji="1" lang="ja-JP" altLang="en-US" smtClean="0"/>
-              <a:t>2023/3/2</a:t>
+              <a:t>2023/3/3</a:t>
             </a:fld>
             <a:endParaRPr kumimoji="1" lang="ja-JP" altLang="en-US"/>
           </a:p>
@@ -4239,7 +4236,7 @@
           <a:p>
             <a:fld id="{AD130582-2839-4B18-8352-5305C3791B90}" type="datetimeFigureOut">
               <a:rPr kumimoji="1" lang="ja-JP" altLang="en-US" smtClean="0"/>
-              <a:t>2023/3/2</a:t>
+              <a:t>2023/3/3</a:t>
             </a:fld>
             <a:endParaRPr kumimoji="1" lang="ja-JP" altLang="en-US"/>
           </a:p>
@@ -4489,7 +4486,7 @@
           <a:p>
             <a:fld id="{AD130582-2839-4B18-8352-5305C3791B90}" type="datetimeFigureOut">
               <a:rPr kumimoji="1" lang="ja-JP" altLang="en-US" smtClean="0"/>
-              <a:t>2023/3/2</a:t>
+              <a:t>2023/3/3</a:t>
             </a:fld>
             <a:endParaRPr kumimoji="1" lang="ja-JP" altLang="en-US"/>
           </a:p>
@@ -4790,7 +4787,7 @@
           <a:p>
             <a:fld id="{AD130582-2839-4B18-8352-5305C3791B90}" type="datetimeFigureOut">
               <a:rPr kumimoji="1" lang="ja-JP" altLang="en-US" smtClean="0"/>
-              <a:t>2023/3/2</a:t>
+              <a:t>2023/3/3</a:t>
             </a:fld>
             <a:endParaRPr kumimoji="1" lang="ja-JP" altLang="en-US"/>
           </a:p>
@@ -5239,7 +5236,7 @@
           <a:p>
             <a:fld id="{AD130582-2839-4B18-8352-5305C3791B90}" type="datetimeFigureOut">
               <a:rPr kumimoji="1" lang="ja-JP" altLang="en-US" smtClean="0"/>
-              <a:t>2023/3/2</a:t>
+              <a:t>2023/3/3</a:t>
             </a:fld>
             <a:endParaRPr kumimoji="1" lang="ja-JP" altLang="en-US"/>
           </a:p>
@@ -5357,7 +5354,7 @@
           <a:p>
             <a:fld id="{AD130582-2839-4B18-8352-5305C3791B90}" type="datetimeFigureOut">
               <a:rPr kumimoji="1" lang="ja-JP" altLang="en-US" smtClean="0"/>
-              <a:t>2023/3/2</a:t>
+              <a:t>2023/3/3</a:t>
             </a:fld>
             <a:endParaRPr kumimoji="1" lang="ja-JP" altLang="en-US"/>
           </a:p>
@@ -5452,7 +5449,7 @@
           <a:p>
             <a:fld id="{AD130582-2839-4B18-8352-5305C3791B90}" type="datetimeFigureOut">
               <a:rPr kumimoji="1" lang="ja-JP" altLang="en-US" smtClean="0"/>
-              <a:t>2023/3/2</a:t>
+              <a:t>2023/3/3</a:t>
             </a:fld>
             <a:endParaRPr kumimoji="1" lang="ja-JP" altLang="en-US"/>
           </a:p>
@@ -5737,7 +5734,7 @@
           <a:p>
             <a:fld id="{AD130582-2839-4B18-8352-5305C3791B90}" type="datetimeFigureOut">
               <a:rPr kumimoji="1" lang="ja-JP" altLang="en-US" smtClean="0"/>
-              <a:t>2023/3/2</a:t>
+              <a:t>2023/3/3</a:t>
             </a:fld>
             <a:endParaRPr kumimoji="1" lang="ja-JP" altLang="en-US"/>
           </a:p>
@@ -6006,7 +6003,7 @@
           <a:p>
             <a:fld id="{AD130582-2839-4B18-8352-5305C3791B90}" type="datetimeFigureOut">
               <a:rPr kumimoji="1" lang="ja-JP" altLang="en-US" smtClean="0"/>
-              <a:t>2023/3/2</a:t>
+              <a:t>2023/3/3</a:t>
             </a:fld>
             <a:endParaRPr kumimoji="1" lang="ja-JP" altLang="en-US"/>
           </a:p>
@@ -6441,7 +6438,7 @@
           <a:p>
             <a:fld id="{AD130582-2839-4B18-8352-5305C3791B90}" type="datetimeFigureOut">
               <a:rPr kumimoji="1" lang="ja-JP" altLang="en-US" smtClean="0"/>
-              <a:t>2023/3/2</a:t>
+              <a:t>2023/3/3</a:t>
             </a:fld>
             <a:endParaRPr kumimoji="1" lang="ja-JP" altLang="en-US"/>
           </a:p>
@@ -7023,2133 +7020,6 @@
           <p:nvPr/>
         </p:nvSpPr>
         <p:spPr>
-          <a:xfrm rot="20979734">
-            <a:off x="161009" y="436342"/>
-            <a:ext cx="4551866" cy="461665"/>
-          </a:xfrm>
-          <a:prstGeom prst="rect">
-            <a:avLst/>
-          </a:prstGeom>
-          <a:solidFill>
-            <a:schemeClr val="tx2"/>
-          </a:solidFill>
-        </p:spPr>
-        <p:txBody>
-          <a:bodyPr wrap="square" rtlCol="0">
-            <a:spAutoFit/>
-          </a:bodyPr>
-          <a:lstStyle/>
-          <a:p>
-            <a:r>
-              <a:rPr lang="ja-JP" altLang="en-US" sz="2400" b="1" dirty="0" smtClean="0">
-                <a:solidFill>
-                  <a:srgbClr val="FF0000"/>
-                </a:solidFill>
-              </a:rPr>
-              <a:t>謎解きベルトスクロールアクション</a:t>
-            </a:r>
-            <a:endParaRPr kumimoji="1" lang="ja-JP" altLang="en-US" sz="2400" b="1" dirty="0">
-              <a:solidFill>
-                <a:srgbClr val="FF0000"/>
-              </a:solidFill>
-            </a:endParaRPr>
-          </a:p>
-        </p:txBody>
-      </p:sp>
-      <p:sp>
-        <p:nvSpPr>
-          <p:cNvPr id="2" name="テキスト ボックス 1"/>
-          <p:cNvSpPr txBox="1"/>
-          <p:nvPr/>
-        </p:nvSpPr>
-        <p:spPr>
-          <a:xfrm>
-            <a:off x="643811" y="1247691"/>
-            <a:ext cx="10282336" cy="646331"/>
-          </a:xfrm>
-          <a:prstGeom prst="rect">
-            <a:avLst/>
-          </a:prstGeom>
-          <a:noFill/>
-        </p:spPr>
-        <p:txBody>
-          <a:bodyPr wrap="square" rtlCol="0">
-            <a:spAutoFit/>
-          </a:bodyPr>
-          <a:lstStyle/>
-          <a:p>
-            <a:r>
-              <a:rPr kumimoji="1" lang="ja-JP" altLang="en-US" dirty="0" smtClean="0"/>
-              <a:t>トレジャーハンターの主人公は借金を返すため仲間からの情報を頼りに宝が眠る遺跡にたどり着いた</a:t>
-            </a:r>
-            <a:endParaRPr kumimoji="1" lang="en-US" altLang="ja-JP" dirty="0" smtClean="0"/>
-          </a:p>
-          <a:p>
-            <a:r>
-              <a:rPr kumimoji="1" lang="ja-JP" altLang="en-US" dirty="0" smtClean="0"/>
-              <a:t>果たして彼は数々の罠や謎を乗り越え、一獲千金をすることができるのか・・・</a:t>
-            </a:r>
-            <a:endParaRPr kumimoji="1" lang="ja-JP" altLang="en-US" dirty="0"/>
-          </a:p>
-        </p:txBody>
-      </p:sp>
-      <p:sp>
-        <p:nvSpPr>
-          <p:cNvPr id="4" name="正方形/長方形 3"/>
-          <p:cNvSpPr/>
-          <p:nvPr/>
-        </p:nvSpPr>
-        <p:spPr>
-          <a:xfrm>
-            <a:off x="643811" y="3161219"/>
-            <a:ext cx="6096000" cy="1477328"/>
-          </a:xfrm>
-          <a:prstGeom prst="rect">
-            <a:avLst/>
-          </a:prstGeom>
-        </p:spPr>
-        <p:txBody>
-          <a:bodyPr>
-            <a:spAutoFit/>
-          </a:bodyPr>
-          <a:lstStyle/>
-          <a:p>
-            <a:pPr lvl="0"/>
-            <a:r>
-              <a:rPr lang="ja-JP" altLang="en-US" dirty="0" smtClean="0">
-                <a:solidFill>
-                  <a:prstClr val="black"/>
-                </a:solidFill>
-              </a:rPr>
-              <a:t>遺跡を進む途中で謎解き要素が出てくる</a:t>
-            </a:r>
-            <a:endParaRPr lang="en-US" altLang="ja-JP" dirty="0" smtClean="0">
-              <a:solidFill>
-                <a:prstClr val="black"/>
-              </a:solidFill>
-            </a:endParaRPr>
-          </a:p>
-          <a:p>
-            <a:pPr lvl="0"/>
-            <a:r>
-              <a:rPr lang="ja-JP" altLang="en-US" dirty="0" smtClean="0">
-                <a:solidFill>
-                  <a:prstClr val="black"/>
-                </a:solidFill>
-              </a:rPr>
-              <a:t>プレイヤーはヒントやアイテムを集めて進まなければならない</a:t>
-            </a:r>
-            <a:endParaRPr lang="en-US" altLang="ja-JP" dirty="0" smtClean="0">
-              <a:solidFill>
-                <a:prstClr val="black"/>
-              </a:solidFill>
-            </a:endParaRPr>
-          </a:p>
-          <a:p>
-            <a:pPr lvl="0"/>
-            <a:endParaRPr lang="en-US" altLang="ja-JP" dirty="0">
-              <a:solidFill>
-                <a:prstClr val="black"/>
-              </a:solidFill>
-            </a:endParaRPr>
-          </a:p>
-          <a:p>
-            <a:pPr lvl="0"/>
-            <a:r>
-              <a:rPr lang="ja-JP" altLang="en-US" dirty="0">
-                <a:solidFill>
-                  <a:prstClr val="black"/>
-                </a:solidFill>
-              </a:rPr>
-              <a:t>最初は簡単な謎だが進むごと</a:t>
-            </a:r>
-            <a:r>
-              <a:rPr lang="ja-JP" altLang="en-US" dirty="0" smtClean="0">
-                <a:solidFill>
-                  <a:prstClr val="black"/>
-                </a:solidFill>
-              </a:rPr>
-              <a:t>にアイテムも増えて</a:t>
-            </a:r>
-            <a:endParaRPr lang="en-US" altLang="ja-JP" dirty="0" smtClean="0">
-              <a:solidFill>
-                <a:prstClr val="black"/>
-              </a:solidFill>
-            </a:endParaRPr>
-          </a:p>
-          <a:p>
-            <a:pPr lvl="0"/>
-            <a:r>
-              <a:rPr lang="ja-JP" altLang="en-US" dirty="0" smtClean="0">
-                <a:solidFill>
-                  <a:prstClr val="black"/>
-                </a:solidFill>
-              </a:rPr>
-              <a:t>謎が複雑</a:t>
-            </a:r>
-            <a:r>
-              <a:rPr lang="ja-JP" altLang="en-US" dirty="0">
-                <a:solidFill>
-                  <a:prstClr val="black"/>
-                </a:solidFill>
-              </a:rPr>
-              <a:t>になっていく</a:t>
-            </a:r>
-          </a:p>
-        </p:txBody>
-      </p:sp>
-      <p:sp>
-        <p:nvSpPr>
-          <p:cNvPr id="6" name="正方形/長方形 5"/>
-          <p:cNvSpPr/>
-          <p:nvPr/>
-        </p:nvSpPr>
-        <p:spPr>
-          <a:xfrm rot="20806692">
-            <a:off x="304131" y="2370448"/>
-            <a:ext cx="1939955" cy="461665"/>
-          </a:xfrm>
-          <a:prstGeom prst="rect">
-            <a:avLst/>
-          </a:prstGeom>
-          <a:solidFill>
-            <a:schemeClr val="tx2"/>
-          </a:solidFill>
-        </p:spPr>
-        <p:txBody>
-          <a:bodyPr wrap="none">
-            <a:spAutoFit/>
-          </a:bodyPr>
-          <a:lstStyle/>
-          <a:p>
-            <a:pPr lvl="0"/>
-            <a:r>
-              <a:rPr lang="ja-JP" altLang="en-US" sz="2400" b="1" dirty="0">
-                <a:solidFill>
-                  <a:srgbClr val="FF0000"/>
-                </a:solidFill>
-              </a:rPr>
-              <a:t>待ち受ける謎</a:t>
-            </a:r>
-          </a:p>
-        </p:txBody>
-      </p:sp>
-      <p:sp>
-        <p:nvSpPr>
-          <p:cNvPr id="8" name="正方形/長方形 7"/>
-          <p:cNvSpPr/>
-          <p:nvPr/>
-        </p:nvSpPr>
-        <p:spPr>
-          <a:xfrm rot="20806692">
-            <a:off x="6890812" y="2345411"/>
-            <a:ext cx="3150221" cy="461665"/>
-          </a:xfrm>
-          <a:prstGeom prst="rect">
-            <a:avLst/>
-          </a:prstGeom>
-          <a:solidFill>
-            <a:schemeClr val="tx2"/>
-          </a:solidFill>
-        </p:spPr>
-        <p:txBody>
-          <a:bodyPr wrap="none">
-            <a:spAutoFit/>
-          </a:bodyPr>
-          <a:lstStyle/>
-          <a:p>
-            <a:pPr lvl="0"/>
-            <a:r>
-              <a:rPr lang="ja-JP" altLang="en-US" sz="2400" b="1" dirty="0" smtClean="0">
-                <a:solidFill>
-                  <a:srgbClr val="FF0000"/>
-                </a:solidFill>
-              </a:rPr>
-              <a:t>プレイヤーのアクション</a:t>
-            </a:r>
-            <a:endParaRPr lang="ja-JP" altLang="en-US" sz="2400" b="1" dirty="0">
-              <a:solidFill>
-                <a:srgbClr val="FF0000"/>
-              </a:solidFill>
-            </a:endParaRPr>
-          </a:p>
-        </p:txBody>
-      </p:sp>
-      <p:sp>
-        <p:nvSpPr>
-          <p:cNvPr id="9" name="正方形/長方形 8"/>
-          <p:cNvSpPr/>
-          <p:nvPr/>
-        </p:nvSpPr>
-        <p:spPr>
-          <a:xfrm>
-            <a:off x="7364962" y="3258465"/>
-            <a:ext cx="3766458" cy="1200329"/>
-          </a:xfrm>
-          <a:prstGeom prst="rect">
-            <a:avLst/>
-          </a:prstGeom>
-        </p:spPr>
-        <p:txBody>
-          <a:bodyPr wrap="square">
-            <a:spAutoFit/>
-          </a:bodyPr>
-          <a:lstStyle/>
-          <a:p>
-            <a:pPr marL="285750" lvl="0" indent="-285750">
-              <a:buFont typeface="Arial" panose="020B0604020202020204" pitchFamily="34" charset="0"/>
-              <a:buChar char="•"/>
-            </a:pPr>
-            <a:r>
-              <a:rPr lang="ja-JP" altLang="en-US" dirty="0" smtClean="0">
-                <a:solidFill>
-                  <a:prstClr val="black"/>
-                </a:solidFill>
-              </a:rPr>
-              <a:t>移動</a:t>
-            </a:r>
-            <a:endParaRPr lang="en-US" altLang="ja-JP" dirty="0" smtClean="0">
-              <a:solidFill>
-                <a:prstClr val="black"/>
-              </a:solidFill>
-            </a:endParaRPr>
-          </a:p>
-          <a:p>
-            <a:pPr marL="285750" lvl="0" indent="-285750">
-              <a:buFont typeface="Arial" panose="020B0604020202020204" pitchFamily="34" charset="0"/>
-              <a:buChar char="•"/>
-            </a:pPr>
-            <a:r>
-              <a:rPr lang="ja-JP" altLang="en-US" dirty="0" smtClean="0">
-                <a:solidFill>
-                  <a:prstClr val="black"/>
-                </a:solidFill>
-              </a:rPr>
-              <a:t>ジャンプ</a:t>
-            </a:r>
-            <a:endParaRPr lang="en-US" altLang="ja-JP" dirty="0" smtClean="0">
-              <a:solidFill>
-                <a:prstClr val="black"/>
-              </a:solidFill>
-            </a:endParaRPr>
-          </a:p>
-          <a:p>
-            <a:pPr marL="285750" lvl="0" indent="-285750">
-              <a:buFont typeface="Arial" panose="020B0604020202020204" pitchFamily="34" charset="0"/>
-              <a:buChar char="•"/>
-            </a:pPr>
-            <a:r>
-              <a:rPr lang="ja-JP" altLang="en-US" dirty="0">
-                <a:solidFill>
-                  <a:prstClr val="black"/>
-                </a:solidFill>
-              </a:rPr>
-              <a:t>調べる</a:t>
-            </a:r>
-            <a:endParaRPr lang="en-US" altLang="ja-JP" dirty="0" smtClean="0">
-              <a:solidFill>
-                <a:prstClr val="black"/>
-              </a:solidFill>
-            </a:endParaRPr>
-          </a:p>
-          <a:p>
-            <a:pPr marL="285750" lvl="0" indent="-285750">
-              <a:buFont typeface="Arial" panose="020B0604020202020204" pitchFamily="34" charset="0"/>
-              <a:buChar char="•"/>
-            </a:pPr>
-            <a:r>
-              <a:rPr lang="ja-JP" altLang="en-US" dirty="0" smtClean="0">
-                <a:solidFill>
-                  <a:prstClr val="black"/>
-                </a:solidFill>
-              </a:rPr>
-              <a:t>アイテム使用</a:t>
-            </a:r>
-            <a:endParaRPr lang="en-US" altLang="ja-JP" dirty="0" smtClean="0">
-              <a:solidFill>
-                <a:prstClr val="black"/>
-              </a:solidFill>
-            </a:endParaRPr>
-          </a:p>
-        </p:txBody>
-      </p:sp>
-    </p:spTree>
-    <p:extLst>
-      <p:ext uri="{BB962C8B-B14F-4D97-AF65-F5344CB8AC3E}">
-        <p14:creationId xmlns:p14="http://schemas.microsoft.com/office/powerpoint/2010/main" val="28324323"/>
-      </p:ext>
-    </p:extLst>
-  </p:cSld>
-  <p:clrMapOvr>
-    <a:masterClrMapping/>
-  </p:clrMapOvr>
-  <p:timing>
-    <p:tnLst>
-      <p:par>
-        <p:cTn id="1" dur="indefinite" restart="never" nodeType="tmRoot"/>
-      </p:par>
-    </p:tnLst>
-  </p:timing>
-</p:sld>
-</file>
-
-<file path=ppt/slides/slide3.xml><?xml version="1.0" encoding="utf-8"?>
-<p:sld xmlns:a="http://schemas.openxmlformats.org/drawingml/2006/main" xmlns:r="http://schemas.openxmlformats.org/officeDocument/2006/relationships" xmlns:p="http://schemas.openxmlformats.org/presentationml/2006/main">
-  <p:cSld>
-    <p:spTree>
-      <p:nvGrpSpPr>
-        <p:cNvPr id="1" name=""/>
-        <p:cNvGrpSpPr/>
-        <p:nvPr/>
-      </p:nvGrpSpPr>
-      <p:grpSpPr>
-        <a:xfrm>
-          <a:off x="0" y="0"/>
-          <a:ext cx="0" cy="0"/>
-          <a:chOff x="0" y="0"/>
-          <a:chExt cx="0" cy="0"/>
-        </a:xfrm>
-      </p:grpSpPr>
-      <p:grpSp>
-        <p:nvGrpSpPr>
-          <p:cNvPr id="4" name="グループ化 3"/>
-          <p:cNvGrpSpPr/>
-          <p:nvPr/>
-        </p:nvGrpSpPr>
-        <p:grpSpPr>
-          <a:xfrm>
-            <a:off x="0" y="0"/>
-            <a:ext cx="12192000" cy="6858000"/>
-            <a:chOff x="2519258" y="1516930"/>
-            <a:chExt cx="6705614" cy="3768865"/>
-          </a:xfrm>
-        </p:grpSpPr>
-        <p:pic>
-          <p:nvPicPr>
-            <p:cNvPr id="2" name="図 1"/>
-            <p:cNvPicPr>
-              <a:picLocks noChangeAspect="1"/>
-            </p:cNvPicPr>
-            <p:nvPr/>
-          </p:nvPicPr>
-          <p:blipFill>
-            <a:blip r:embed="rId2" cstate="print">
-              <a:extLst>
-                <a:ext uri="{28A0092B-C50C-407E-A947-70E740481C1C}">
-                  <a14:useLocalDpi xmlns:a14="http://schemas.microsoft.com/office/drawing/2010/main" val="0"/>
-                </a:ext>
-              </a:extLst>
-            </a:blip>
-            <a:stretch>
-              <a:fillRect/>
-            </a:stretch>
-          </p:blipFill>
-          <p:spPr>
-            <a:xfrm>
-              <a:off x="2519258" y="1628188"/>
-              <a:ext cx="6705614" cy="3657607"/>
-            </a:xfrm>
-            <a:prstGeom prst="rect">
-              <a:avLst/>
-            </a:prstGeom>
-          </p:spPr>
-        </p:pic>
-        <p:pic>
-          <p:nvPicPr>
-            <p:cNvPr id="3" name="図 2"/>
-            <p:cNvPicPr>
-              <a:picLocks noChangeAspect="1"/>
-            </p:cNvPicPr>
-            <p:nvPr/>
-          </p:nvPicPr>
-          <p:blipFill>
-            <a:blip r:embed="rId3" cstate="print">
-              <a:extLst>
-                <a:ext uri="{28A0092B-C50C-407E-A947-70E740481C1C}">
-                  <a14:useLocalDpi xmlns:a14="http://schemas.microsoft.com/office/drawing/2010/main" val="0"/>
-                </a:ext>
-              </a:extLst>
-            </a:blip>
-            <a:stretch>
-              <a:fillRect/>
-            </a:stretch>
-          </p:blipFill>
-          <p:spPr>
-            <a:xfrm>
-              <a:off x="2519258" y="1516930"/>
-              <a:ext cx="6705614" cy="3657607"/>
-            </a:xfrm>
-            <a:prstGeom prst="rect">
-              <a:avLst/>
-            </a:prstGeom>
-          </p:spPr>
-        </p:pic>
-      </p:grpSp>
-      <p:sp>
-        <p:nvSpPr>
-          <p:cNvPr id="22" name="テキスト ボックス 21"/>
-          <p:cNvSpPr txBox="1"/>
-          <p:nvPr/>
-        </p:nvSpPr>
-        <p:spPr>
-          <a:xfrm>
-            <a:off x="4594037" y="2424609"/>
-            <a:ext cx="2511054" cy="830997"/>
-          </a:xfrm>
-          <a:prstGeom prst="rect">
-            <a:avLst/>
-          </a:prstGeom>
-          <a:solidFill>
-            <a:schemeClr val="accent2">
-              <a:lumMod val="60000"/>
-              <a:lumOff val="40000"/>
-            </a:schemeClr>
-          </a:solidFill>
-        </p:spPr>
-        <p:txBody>
-          <a:bodyPr wrap="square" rtlCol="0">
-            <a:spAutoFit/>
-          </a:bodyPr>
-          <a:lstStyle/>
-          <a:p>
-            <a:pPr algn="ctr"/>
-            <a:r>
-              <a:rPr lang="ja-JP" altLang="en-US" sz="2400" dirty="0" smtClean="0"/>
-              <a:t>謎を解いて</a:t>
-            </a:r>
-            <a:endParaRPr lang="en-US" altLang="ja-JP" sz="2400" dirty="0" smtClean="0"/>
-          </a:p>
-          <a:p>
-            <a:pPr algn="ctr"/>
-            <a:r>
-              <a:rPr lang="ja-JP" altLang="en-US" sz="2400" dirty="0" smtClean="0"/>
-              <a:t>アイテムゲット</a:t>
-            </a:r>
-            <a:endParaRPr kumimoji="1" lang="en-US" altLang="ja-JP" sz="2400" dirty="0" smtClean="0"/>
-          </a:p>
-        </p:txBody>
-      </p:sp>
-      <p:graphicFrame>
-        <p:nvGraphicFramePr>
-          <p:cNvPr id="5" name="表 4"/>
-          <p:cNvGraphicFramePr>
-            <a:graphicFrameLocks noGrp="1"/>
-          </p:cNvGraphicFramePr>
-          <p:nvPr>
-            <p:extLst>
-              <p:ext uri="{D42A27DB-BD31-4B8C-83A1-F6EECF244321}">
-                <p14:modId xmlns:p14="http://schemas.microsoft.com/office/powerpoint/2010/main" val="1888537188"/>
-              </p:ext>
-            </p:extLst>
-          </p:nvPr>
-        </p:nvGraphicFramePr>
-        <p:xfrm>
-          <a:off x="7723673" y="6216775"/>
-          <a:ext cx="4320000" cy="540000"/>
-        </p:xfrm>
-        <a:graphic>
-          <a:graphicData uri="http://schemas.openxmlformats.org/drawingml/2006/table">
-            <a:tbl>
-              <a:tblPr firstRow="1" bandRow="1">
-                <a:tableStyleId>{F5AB1C69-6EDB-4FF4-983F-18BD219EF322}</a:tableStyleId>
-              </a:tblPr>
-              <a:tblGrid>
-                <a:gridCol w="540000">
-                  <a:extLst>
-                    <a:ext uri="{9D8B030D-6E8A-4147-A177-3AD203B41FA5}">
-                      <a16:colId xmlns:a16="http://schemas.microsoft.com/office/drawing/2014/main" val="203694447"/>
-                    </a:ext>
-                  </a:extLst>
-                </a:gridCol>
-                <a:gridCol w="540000">
-                  <a:extLst>
-                    <a:ext uri="{9D8B030D-6E8A-4147-A177-3AD203B41FA5}">
-                      <a16:colId xmlns:a16="http://schemas.microsoft.com/office/drawing/2014/main" val="2308401425"/>
-                    </a:ext>
-                  </a:extLst>
-                </a:gridCol>
-                <a:gridCol w="540000">
-                  <a:extLst>
-                    <a:ext uri="{9D8B030D-6E8A-4147-A177-3AD203B41FA5}">
-                      <a16:colId xmlns:a16="http://schemas.microsoft.com/office/drawing/2014/main" val="3703789071"/>
-                    </a:ext>
-                  </a:extLst>
-                </a:gridCol>
-                <a:gridCol w="540000">
-                  <a:extLst>
-                    <a:ext uri="{9D8B030D-6E8A-4147-A177-3AD203B41FA5}">
-                      <a16:colId xmlns:a16="http://schemas.microsoft.com/office/drawing/2014/main" val="1194857771"/>
-                    </a:ext>
-                  </a:extLst>
-                </a:gridCol>
-                <a:gridCol w="540000">
-                  <a:extLst>
-                    <a:ext uri="{9D8B030D-6E8A-4147-A177-3AD203B41FA5}">
-                      <a16:colId xmlns:a16="http://schemas.microsoft.com/office/drawing/2014/main" val="1746835053"/>
-                    </a:ext>
-                  </a:extLst>
-                </a:gridCol>
-                <a:gridCol w="540000">
-                  <a:extLst>
-                    <a:ext uri="{9D8B030D-6E8A-4147-A177-3AD203B41FA5}">
-                      <a16:colId xmlns:a16="http://schemas.microsoft.com/office/drawing/2014/main" val="2127037907"/>
-                    </a:ext>
-                  </a:extLst>
-                </a:gridCol>
-                <a:gridCol w="540000">
-                  <a:extLst>
-                    <a:ext uri="{9D8B030D-6E8A-4147-A177-3AD203B41FA5}">
-                      <a16:colId xmlns:a16="http://schemas.microsoft.com/office/drawing/2014/main" val="3900152535"/>
-                    </a:ext>
-                  </a:extLst>
-                </a:gridCol>
-                <a:gridCol w="540000">
-                  <a:extLst>
-                    <a:ext uri="{9D8B030D-6E8A-4147-A177-3AD203B41FA5}">
-                      <a16:colId xmlns:a16="http://schemas.microsoft.com/office/drawing/2014/main" val="3008650514"/>
-                    </a:ext>
-                  </a:extLst>
-                </a:gridCol>
-              </a:tblGrid>
-              <a:tr h="540000">
-                <a:tc>
-                  <a:txBody>
-                    <a:bodyPr/>
-                    <a:lstStyle/>
-                    <a:p>
-                      <a:pPr algn="ctr"/>
-                      <a:endParaRPr kumimoji="1" lang="ja-JP" altLang="en-US" dirty="0"/>
-                    </a:p>
-                  </a:txBody>
-                  <a:tcPr anchor="ctr"/>
-                </a:tc>
-                <a:tc>
-                  <a:txBody>
-                    <a:bodyPr/>
-                    <a:lstStyle/>
-                    <a:p>
-                      <a:pPr algn="ctr"/>
-                      <a:endParaRPr kumimoji="1" lang="ja-JP" altLang="en-US"/>
-                    </a:p>
-                  </a:txBody>
-                  <a:tcPr anchor="ctr"/>
-                </a:tc>
-                <a:tc>
-                  <a:txBody>
-                    <a:bodyPr/>
-                    <a:lstStyle/>
-                    <a:p>
-                      <a:pPr algn="ctr"/>
-                      <a:endParaRPr kumimoji="1" lang="ja-JP" altLang="en-US" dirty="0"/>
-                    </a:p>
-                  </a:txBody>
-                  <a:tcPr anchor="ctr"/>
-                </a:tc>
-                <a:tc>
-                  <a:txBody>
-                    <a:bodyPr/>
-                    <a:lstStyle/>
-                    <a:p>
-                      <a:pPr algn="ctr"/>
-                      <a:endParaRPr kumimoji="1" lang="ja-JP" altLang="en-US" dirty="0"/>
-                    </a:p>
-                  </a:txBody>
-                  <a:tcPr anchor="ctr"/>
-                </a:tc>
-                <a:tc>
-                  <a:txBody>
-                    <a:bodyPr/>
-                    <a:lstStyle/>
-                    <a:p>
-                      <a:pPr algn="ctr"/>
-                      <a:endParaRPr kumimoji="1" lang="ja-JP" altLang="en-US"/>
-                    </a:p>
-                  </a:txBody>
-                  <a:tcPr anchor="ctr"/>
-                </a:tc>
-                <a:tc>
-                  <a:txBody>
-                    <a:bodyPr/>
-                    <a:lstStyle/>
-                    <a:p>
-                      <a:pPr algn="ctr"/>
-                      <a:endParaRPr kumimoji="1" lang="ja-JP" altLang="en-US"/>
-                    </a:p>
-                  </a:txBody>
-                  <a:tcPr anchor="ctr"/>
-                </a:tc>
-                <a:tc>
-                  <a:txBody>
-                    <a:bodyPr/>
-                    <a:lstStyle/>
-                    <a:p>
-                      <a:pPr algn="ctr"/>
-                      <a:endParaRPr kumimoji="1" lang="ja-JP" altLang="en-US" dirty="0"/>
-                    </a:p>
-                  </a:txBody>
-                  <a:tcPr anchor="ctr"/>
-                </a:tc>
-                <a:tc>
-                  <a:txBody>
-                    <a:bodyPr/>
-                    <a:lstStyle/>
-                    <a:p>
-                      <a:pPr algn="ctr"/>
-                      <a:endParaRPr kumimoji="1" lang="ja-JP" altLang="en-US" dirty="0"/>
-                    </a:p>
-                  </a:txBody>
-                  <a:tcPr anchor="ctr"/>
-                </a:tc>
-                <a:extLst>
-                  <a:ext uri="{0D108BD9-81ED-4DB2-BD59-A6C34878D82A}">
-                    <a16:rowId xmlns:a16="http://schemas.microsoft.com/office/drawing/2014/main" val="4245207407"/>
-                  </a:ext>
-                </a:extLst>
-              </a:tr>
-            </a:tbl>
-          </a:graphicData>
-        </a:graphic>
-      </p:graphicFrame>
-      <p:sp>
-        <p:nvSpPr>
-          <p:cNvPr id="7" name="テキスト ボックス 6"/>
-          <p:cNvSpPr txBox="1"/>
-          <p:nvPr/>
-        </p:nvSpPr>
-        <p:spPr>
-          <a:xfrm>
-            <a:off x="9116009" y="202450"/>
-            <a:ext cx="2659224" cy="523220"/>
-          </a:xfrm>
-          <a:prstGeom prst="rect">
-            <a:avLst/>
-          </a:prstGeom>
-          <a:noFill/>
-        </p:spPr>
-        <p:txBody>
-          <a:bodyPr wrap="square" rtlCol="0">
-            <a:spAutoFit/>
-          </a:bodyPr>
-          <a:lstStyle/>
-          <a:p>
-            <a:pPr algn="ctr"/>
-            <a:r>
-              <a:rPr kumimoji="1" lang="en-US" altLang="ja-JP" sz="2800" dirty="0" smtClean="0">
-                <a:solidFill>
-                  <a:schemeClr val="bg1"/>
-                </a:solidFill>
-                <a:latin typeface="Arial Black" panose="020B0A04020102020204" pitchFamily="34" charset="0"/>
-              </a:rPr>
-              <a:t>TIME</a:t>
-            </a:r>
-            <a:r>
-              <a:rPr kumimoji="1" lang="ja-JP" altLang="en-US" sz="2800" dirty="0" smtClean="0">
-                <a:solidFill>
-                  <a:schemeClr val="bg1"/>
-                </a:solidFill>
-                <a:latin typeface="Arial Black" panose="020B0A04020102020204" pitchFamily="34" charset="0"/>
-              </a:rPr>
-              <a:t>　</a:t>
-            </a:r>
-            <a:r>
-              <a:rPr lang="en-US" altLang="ja-JP" sz="2800" dirty="0" smtClean="0">
-                <a:solidFill>
-                  <a:schemeClr val="bg1"/>
-                </a:solidFill>
-                <a:latin typeface="Arial Black" panose="020B0A04020102020204" pitchFamily="34" charset="0"/>
-              </a:rPr>
-              <a:t>06:08</a:t>
-            </a:r>
-            <a:endParaRPr kumimoji="1" lang="ja-JP" altLang="en-US" sz="2800" dirty="0">
-              <a:solidFill>
-                <a:schemeClr val="bg1"/>
-              </a:solidFill>
-              <a:latin typeface="Arial Black" panose="020B0A04020102020204" pitchFamily="34" charset="0"/>
-            </a:endParaRPr>
-          </a:p>
-        </p:txBody>
-      </p:sp>
-      <p:pic>
-        <p:nvPicPr>
-          <p:cNvPr id="8" name="図 7"/>
-          <p:cNvPicPr>
-            <a:picLocks noChangeAspect="1"/>
-          </p:cNvPicPr>
-          <p:nvPr/>
-        </p:nvPicPr>
-        <p:blipFill>
-          <a:blip r:embed="rId4">
-            <a:extLst>
-              <a:ext uri="{BEBA8EAE-BF5A-486C-A8C5-ECC9F3942E4B}">
-                <a14:imgProps xmlns:a14="http://schemas.microsoft.com/office/drawing/2010/main">
-                  <a14:imgLayer r:embed="rId5">
-                    <a14:imgEffect>
-                      <a14:backgroundRemoval t="0" b="93750" l="6250" r="87500">
-                        <a14:foregroundMark x1="25000" y1="18750" x2="25000" y2="18750"/>
-                        <a14:foregroundMark x1="25000" y1="68750" x2="25000" y2="68750"/>
-                        <a14:foregroundMark x1="68750" y1="68750" x2="68750" y2="68750"/>
-                        <a14:foregroundMark x1="68750" y1="18750" x2="68750" y2="18750"/>
-                      </a14:backgroundRemoval>
-                    </a14:imgEffect>
-                  </a14:imgLayer>
-                </a14:imgProps>
-              </a:ext>
-              <a:ext uri="{28A0092B-C50C-407E-A947-70E740481C1C}">
-                <a14:useLocalDpi xmlns:a14="http://schemas.microsoft.com/office/drawing/2010/main" val="0"/>
-              </a:ext>
-            </a:extLst>
-          </a:blip>
-          <a:stretch>
-            <a:fillRect/>
-          </a:stretch>
-        </p:blipFill>
-        <p:spPr>
-          <a:xfrm>
-            <a:off x="251973" y="4878047"/>
-            <a:ext cx="1136279" cy="1136279"/>
-          </a:xfrm>
-          <a:prstGeom prst="rect">
-            <a:avLst/>
-          </a:prstGeom>
-        </p:spPr>
-      </p:pic>
-      <p:pic>
-        <p:nvPicPr>
-          <p:cNvPr id="10" name="図 9"/>
-          <p:cNvPicPr>
-            <a:picLocks noChangeAspect="1"/>
-          </p:cNvPicPr>
-          <p:nvPr/>
-        </p:nvPicPr>
-        <p:blipFill>
-          <a:blip r:embed="rId6" cstate="print">
-            <a:extLst>
-              <a:ext uri="{28A0092B-C50C-407E-A947-70E740481C1C}">
-                <a14:useLocalDpi xmlns:a14="http://schemas.microsoft.com/office/drawing/2010/main" val="0"/>
-              </a:ext>
-            </a:extLst>
-          </a:blip>
-          <a:stretch>
-            <a:fillRect/>
-          </a:stretch>
-        </p:blipFill>
-        <p:spPr>
-          <a:xfrm>
-            <a:off x="7723673" y="6216775"/>
-            <a:ext cx="540000" cy="540000"/>
-          </a:xfrm>
-          <a:prstGeom prst="rect">
-            <a:avLst/>
-          </a:prstGeom>
-        </p:spPr>
-      </p:pic>
-      <p:pic>
-        <p:nvPicPr>
-          <p:cNvPr id="11" name="図 10"/>
-          <p:cNvPicPr>
-            <a:picLocks noChangeAspect="1"/>
-          </p:cNvPicPr>
-          <p:nvPr/>
-        </p:nvPicPr>
-        <p:blipFill>
-          <a:blip r:embed="rId7" cstate="print">
-            <a:extLst>
-              <a:ext uri="{28A0092B-C50C-407E-A947-70E740481C1C}">
-                <a14:useLocalDpi xmlns:a14="http://schemas.microsoft.com/office/drawing/2010/main" val="0"/>
-              </a:ext>
-            </a:extLst>
-          </a:blip>
-          <a:stretch>
-            <a:fillRect/>
-          </a:stretch>
-        </p:blipFill>
-        <p:spPr>
-          <a:xfrm>
-            <a:off x="8354299" y="6245831"/>
-            <a:ext cx="467431" cy="481888"/>
-          </a:xfrm>
-          <a:prstGeom prst="rect">
-            <a:avLst/>
-          </a:prstGeom>
-        </p:spPr>
-      </p:pic>
-      <p:grpSp>
-        <p:nvGrpSpPr>
-          <p:cNvPr id="23" name="グループ化 22"/>
-          <p:cNvGrpSpPr/>
-          <p:nvPr/>
-        </p:nvGrpSpPr>
-        <p:grpSpPr>
-          <a:xfrm>
-            <a:off x="41921" y="1561577"/>
-            <a:ext cx="4266839" cy="1025233"/>
-            <a:chOff x="1283742" y="1515015"/>
-            <a:chExt cx="4266839" cy="1025233"/>
-          </a:xfrm>
-        </p:grpSpPr>
-        <p:pic>
-          <p:nvPicPr>
-            <p:cNvPr id="12" name="図 11"/>
-            <p:cNvPicPr>
-              <a:picLocks noChangeAspect="1"/>
-            </p:cNvPicPr>
-            <p:nvPr/>
-          </p:nvPicPr>
-          <p:blipFill>
-            <a:blip r:embed="rId8">
-              <a:duotone>
-                <a:schemeClr val="bg2">
-                  <a:shade val="45000"/>
-                  <a:satMod val="135000"/>
-                </a:schemeClr>
-                <a:prstClr val="white"/>
-              </a:duotone>
-              <a:extLst>
-                <a:ext uri="{28A0092B-C50C-407E-A947-70E740481C1C}">
-                  <a14:useLocalDpi xmlns:a14="http://schemas.microsoft.com/office/drawing/2010/main" val="0"/>
-                </a:ext>
-              </a:extLst>
-            </a:blip>
-            <a:stretch>
-              <a:fillRect/>
-            </a:stretch>
-          </p:blipFill>
-          <p:spPr>
-            <a:xfrm>
-              <a:off x="1283742" y="1516070"/>
-              <a:ext cx="712269" cy="1024178"/>
-            </a:xfrm>
-            <a:prstGeom prst="rect">
-              <a:avLst/>
-            </a:prstGeom>
-          </p:spPr>
-        </p:pic>
-        <p:pic>
-          <p:nvPicPr>
-            <p:cNvPr id="13" name="図 12"/>
-            <p:cNvPicPr>
-              <a:picLocks noChangeAspect="1"/>
-            </p:cNvPicPr>
-            <p:nvPr/>
-          </p:nvPicPr>
-          <p:blipFill>
-            <a:blip r:embed="rId9">
-              <a:duotone>
-                <a:schemeClr val="bg2">
-                  <a:shade val="45000"/>
-                  <a:satMod val="135000"/>
-                </a:schemeClr>
-                <a:prstClr val="white"/>
-              </a:duotone>
-              <a:extLst>
-                <a:ext uri="{28A0092B-C50C-407E-A947-70E740481C1C}">
-                  <a14:useLocalDpi xmlns:a14="http://schemas.microsoft.com/office/drawing/2010/main" val="0"/>
-                </a:ext>
-              </a:extLst>
-            </a:blip>
-            <a:stretch>
-              <a:fillRect/>
-            </a:stretch>
-          </p:blipFill>
-          <p:spPr>
-            <a:xfrm>
-              <a:off x="2172384" y="1516070"/>
-              <a:ext cx="712270" cy="1024178"/>
-            </a:xfrm>
-            <a:prstGeom prst="rect">
-              <a:avLst/>
-            </a:prstGeom>
-          </p:spPr>
-        </p:pic>
-        <p:pic>
-          <p:nvPicPr>
-            <p:cNvPr id="14" name="図 13"/>
-            <p:cNvPicPr>
-              <a:picLocks noChangeAspect="1"/>
-            </p:cNvPicPr>
-            <p:nvPr/>
-          </p:nvPicPr>
-          <p:blipFill>
-            <a:blip r:embed="rId10">
-              <a:duotone>
-                <a:schemeClr val="bg2">
-                  <a:shade val="45000"/>
-                  <a:satMod val="135000"/>
-                </a:schemeClr>
-                <a:prstClr val="white"/>
-              </a:duotone>
-              <a:extLst>
-                <a:ext uri="{28A0092B-C50C-407E-A947-70E740481C1C}">
-                  <a14:useLocalDpi xmlns:a14="http://schemas.microsoft.com/office/drawing/2010/main" val="0"/>
-                </a:ext>
-              </a:extLst>
-            </a:blip>
-            <a:stretch>
-              <a:fillRect/>
-            </a:stretch>
-          </p:blipFill>
-          <p:spPr>
-            <a:xfrm>
-              <a:off x="3061027" y="1516070"/>
-              <a:ext cx="712269" cy="1024178"/>
-            </a:xfrm>
-            <a:prstGeom prst="rect">
-              <a:avLst/>
-            </a:prstGeom>
-          </p:spPr>
-        </p:pic>
-        <p:pic>
-          <p:nvPicPr>
-            <p:cNvPr id="15" name="図 14"/>
-            <p:cNvPicPr>
-              <a:picLocks noChangeAspect="1"/>
-            </p:cNvPicPr>
-            <p:nvPr/>
-          </p:nvPicPr>
-          <p:blipFill>
-            <a:blip r:embed="rId11">
-              <a:duotone>
-                <a:schemeClr val="bg2">
-                  <a:shade val="45000"/>
-                  <a:satMod val="135000"/>
-                </a:schemeClr>
-                <a:prstClr val="white"/>
-              </a:duotone>
-              <a:extLst>
-                <a:ext uri="{28A0092B-C50C-407E-A947-70E740481C1C}">
-                  <a14:useLocalDpi xmlns:a14="http://schemas.microsoft.com/office/drawing/2010/main" val="0"/>
-                </a:ext>
-              </a:extLst>
-            </a:blip>
-            <a:stretch>
-              <a:fillRect/>
-            </a:stretch>
-          </p:blipFill>
-          <p:spPr>
-            <a:xfrm>
-              <a:off x="3949669" y="1515015"/>
-              <a:ext cx="712269" cy="1024177"/>
-            </a:xfrm>
-            <a:prstGeom prst="rect">
-              <a:avLst/>
-            </a:prstGeom>
-          </p:spPr>
-        </p:pic>
-        <p:pic>
-          <p:nvPicPr>
-            <p:cNvPr id="17" name="図 16"/>
-            <p:cNvPicPr>
-              <a:picLocks noChangeAspect="1"/>
-            </p:cNvPicPr>
-            <p:nvPr/>
-          </p:nvPicPr>
-          <p:blipFill>
-            <a:blip r:embed="rId12">
-              <a:duotone>
-                <a:schemeClr val="bg2">
-                  <a:shade val="45000"/>
-                  <a:satMod val="135000"/>
-                </a:schemeClr>
-                <a:prstClr val="white"/>
-              </a:duotone>
-              <a:extLst>
-                <a:ext uri="{28A0092B-C50C-407E-A947-70E740481C1C}">
-                  <a14:useLocalDpi xmlns:a14="http://schemas.microsoft.com/office/drawing/2010/main" val="0"/>
-                </a:ext>
-              </a:extLst>
-            </a:blip>
-            <a:stretch>
-              <a:fillRect/>
-            </a:stretch>
-          </p:blipFill>
-          <p:spPr>
-            <a:xfrm>
-              <a:off x="4838312" y="1515015"/>
-              <a:ext cx="712269" cy="1024177"/>
-            </a:xfrm>
-            <a:prstGeom prst="rect">
-              <a:avLst/>
-            </a:prstGeom>
-          </p:spPr>
-        </p:pic>
-      </p:grpSp>
-      <p:grpSp>
-        <p:nvGrpSpPr>
-          <p:cNvPr id="24" name="グループ化 23"/>
-          <p:cNvGrpSpPr/>
-          <p:nvPr/>
-        </p:nvGrpSpPr>
-        <p:grpSpPr>
-          <a:xfrm>
-            <a:off x="7723673" y="1561574"/>
-            <a:ext cx="4264867" cy="1024180"/>
-            <a:chOff x="5728925" y="1515012"/>
-            <a:chExt cx="4264867" cy="1024180"/>
-          </a:xfrm>
-        </p:grpSpPr>
-        <p:pic>
-          <p:nvPicPr>
-            <p:cNvPr id="16" name="図 15"/>
-            <p:cNvPicPr>
-              <a:picLocks noChangeAspect="1"/>
-            </p:cNvPicPr>
-            <p:nvPr/>
-          </p:nvPicPr>
-          <p:blipFill>
-            <a:blip r:embed="rId13">
-              <a:duotone>
-                <a:schemeClr val="bg2">
-                  <a:shade val="45000"/>
-                  <a:satMod val="135000"/>
-                </a:schemeClr>
-                <a:prstClr val="white"/>
-              </a:duotone>
-              <a:extLst>
-                <a:ext uri="{28A0092B-C50C-407E-A947-70E740481C1C}">
-                  <a14:useLocalDpi xmlns:a14="http://schemas.microsoft.com/office/drawing/2010/main" val="0"/>
-                </a:ext>
-              </a:extLst>
-            </a:blip>
-            <a:stretch>
-              <a:fillRect/>
-            </a:stretch>
-          </p:blipFill>
-          <p:spPr>
-            <a:xfrm>
-              <a:off x="6615596" y="1515014"/>
-              <a:ext cx="712269" cy="1024177"/>
-            </a:xfrm>
-            <a:prstGeom prst="rect">
-              <a:avLst/>
-            </a:prstGeom>
-          </p:spPr>
-        </p:pic>
-        <p:pic>
-          <p:nvPicPr>
-            <p:cNvPr id="18" name="図 17"/>
-            <p:cNvPicPr>
-              <a:picLocks noChangeAspect="1"/>
-            </p:cNvPicPr>
-            <p:nvPr/>
-          </p:nvPicPr>
-          <p:blipFill>
-            <a:blip r:embed="rId14">
-              <a:duotone>
-                <a:schemeClr val="bg2">
-                  <a:shade val="45000"/>
-                  <a:satMod val="135000"/>
-                </a:schemeClr>
-                <a:prstClr val="white"/>
-              </a:duotone>
-              <a:extLst>
-                <a:ext uri="{28A0092B-C50C-407E-A947-70E740481C1C}">
-                  <a14:useLocalDpi xmlns:a14="http://schemas.microsoft.com/office/drawing/2010/main" val="0"/>
-                </a:ext>
-              </a:extLst>
-            </a:blip>
-            <a:stretch>
-              <a:fillRect/>
-            </a:stretch>
-          </p:blipFill>
-          <p:spPr>
-            <a:xfrm>
-              <a:off x="5728925" y="1515015"/>
-              <a:ext cx="712269" cy="1024177"/>
-            </a:xfrm>
-            <a:prstGeom prst="rect">
-              <a:avLst/>
-            </a:prstGeom>
-          </p:spPr>
-        </p:pic>
-        <p:pic>
-          <p:nvPicPr>
-            <p:cNvPr id="19" name="図 18"/>
-            <p:cNvPicPr>
-              <a:picLocks noChangeAspect="1"/>
-            </p:cNvPicPr>
-            <p:nvPr/>
-          </p:nvPicPr>
-          <p:blipFill>
-            <a:blip r:embed="rId15">
-              <a:duotone>
-                <a:schemeClr val="bg2">
-                  <a:shade val="45000"/>
-                  <a:satMod val="135000"/>
-                </a:schemeClr>
-                <a:prstClr val="white"/>
-              </a:duotone>
-              <a:extLst>
-                <a:ext uri="{28A0092B-C50C-407E-A947-70E740481C1C}">
-                  <a14:useLocalDpi xmlns:a14="http://schemas.microsoft.com/office/drawing/2010/main" val="0"/>
-                </a:ext>
-              </a:extLst>
-            </a:blip>
-            <a:stretch>
-              <a:fillRect/>
-            </a:stretch>
-          </p:blipFill>
-          <p:spPr>
-            <a:xfrm>
-              <a:off x="7504239" y="1515014"/>
-              <a:ext cx="712269" cy="1024177"/>
-            </a:xfrm>
-            <a:prstGeom prst="rect">
-              <a:avLst/>
-            </a:prstGeom>
-          </p:spPr>
-        </p:pic>
-        <p:pic>
-          <p:nvPicPr>
-            <p:cNvPr id="20" name="図 19"/>
-            <p:cNvPicPr>
-              <a:picLocks noChangeAspect="1"/>
-            </p:cNvPicPr>
-            <p:nvPr/>
-          </p:nvPicPr>
-          <p:blipFill>
-            <a:blip r:embed="rId16">
-              <a:duotone>
-                <a:schemeClr val="bg2">
-                  <a:shade val="45000"/>
-                  <a:satMod val="135000"/>
-                </a:schemeClr>
-                <a:prstClr val="white"/>
-              </a:duotone>
-              <a:extLst>
-                <a:ext uri="{28A0092B-C50C-407E-A947-70E740481C1C}">
-                  <a14:useLocalDpi xmlns:a14="http://schemas.microsoft.com/office/drawing/2010/main" val="0"/>
-                </a:ext>
-              </a:extLst>
-            </a:blip>
-            <a:stretch>
-              <a:fillRect/>
-            </a:stretch>
-          </p:blipFill>
-          <p:spPr>
-            <a:xfrm>
-              <a:off x="8388772" y="1515013"/>
-              <a:ext cx="712269" cy="1024177"/>
-            </a:xfrm>
-            <a:prstGeom prst="rect">
-              <a:avLst/>
-            </a:prstGeom>
-          </p:spPr>
-        </p:pic>
-        <p:pic>
-          <p:nvPicPr>
-            <p:cNvPr id="21" name="図 20"/>
-            <p:cNvPicPr>
-              <a:picLocks noChangeAspect="1"/>
-            </p:cNvPicPr>
-            <p:nvPr/>
-          </p:nvPicPr>
-          <p:blipFill>
-            <a:blip r:embed="rId17">
-              <a:duotone>
-                <a:schemeClr val="bg2">
-                  <a:shade val="45000"/>
-                  <a:satMod val="135000"/>
-                </a:schemeClr>
-                <a:prstClr val="white"/>
-              </a:duotone>
-              <a:extLst>
-                <a:ext uri="{28A0092B-C50C-407E-A947-70E740481C1C}">
-                  <a14:useLocalDpi xmlns:a14="http://schemas.microsoft.com/office/drawing/2010/main" val="0"/>
-                </a:ext>
-              </a:extLst>
-            </a:blip>
-            <a:stretch>
-              <a:fillRect/>
-            </a:stretch>
-          </p:blipFill>
-          <p:spPr>
-            <a:xfrm>
-              <a:off x="9281523" y="1515012"/>
-              <a:ext cx="712269" cy="1024177"/>
-            </a:xfrm>
-            <a:prstGeom prst="rect">
-              <a:avLst/>
-            </a:prstGeom>
-          </p:spPr>
-        </p:pic>
-      </p:grpSp>
-      <p:pic>
-        <p:nvPicPr>
-          <p:cNvPr id="25" name="図 24"/>
-          <p:cNvPicPr>
-            <a:picLocks noChangeAspect="1"/>
-          </p:cNvPicPr>
-          <p:nvPr/>
-        </p:nvPicPr>
-        <p:blipFill>
-          <a:blip r:embed="rId18" cstate="print">
-            <a:extLst>
-              <a:ext uri="{28A0092B-C50C-407E-A947-70E740481C1C}">
-                <a14:useLocalDpi xmlns:a14="http://schemas.microsoft.com/office/drawing/2010/main" val="0"/>
-              </a:ext>
-            </a:extLst>
-          </a:blip>
-          <a:stretch>
-            <a:fillRect/>
-          </a:stretch>
-        </p:blipFill>
-        <p:spPr>
-          <a:xfrm>
-            <a:off x="4966263" y="3539166"/>
-            <a:ext cx="1691128" cy="1268346"/>
-          </a:xfrm>
-          <a:prstGeom prst="rect">
-            <a:avLst/>
-          </a:prstGeom>
-        </p:spPr>
-      </p:pic>
-      <p:pic>
-        <p:nvPicPr>
-          <p:cNvPr id="26" name="図 25"/>
-          <p:cNvPicPr>
-            <a:picLocks noChangeAspect="1"/>
-          </p:cNvPicPr>
-          <p:nvPr/>
-        </p:nvPicPr>
-        <p:blipFill>
-          <a:blip r:embed="rId19" cstate="print">
-            <a:extLst>
-              <a:ext uri="{28A0092B-C50C-407E-A947-70E740481C1C}">
-                <a14:useLocalDpi xmlns:a14="http://schemas.microsoft.com/office/drawing/2010/main" val="0"/>
-              </a:ext>
-            </a:extLst>
-          </a:blip>
-          <a:stretch>
-            <a:fillRect/>
-          </a:stretch>
-        </p:blipFill>
-        <p:spPr>
-          <a:xfrm>
-            <a:off x="8840392" y="6246275"/>
-            <a:ext cx="446849" cy="445359"/>
-          </a:xfrm>
-          <a:prstGeom prst="rect">
-            <a:avLst/>
-          </a:prstGeom>
-        </p:spPr>
-      </p:pic>
-      <p:sp>
-        <p:nvSpPr>
-          <p:cNvPr id="27" name="正方形/長方形 26"/>
-          <p:cNvSpPr/>
-          <p:nvPr/>
-        </p:nvSpPr>
-        <p:spPr>
-          <a:xfrm>
-            <a:off x="8775456" y="6198775"/>
-            <a:ext cx="576719" cy="576000"/>
-          </a:xfrm>
-          <a:prstGeom prst="rect">
-            <a:avLst/>
-          </a:prstGeom>
-          <a:noFill/>
-          <a:ln w="57150">
-            <a:solidFill>
-              <a:srgbClr val="FFCC66"/>
-            </a:solidFill>
-          </a:ln>
-        </p:spPr>
-        <p:style>
-          <a:lnRef idx="2">
-            <a:schemeClr val="accent1">
-              <a:shade val="50000"/>
-            </a:schemeClr>
-          </a:lnRef>
-          <a:fillRef idx="1">
-            <a:schemeClr val="accent1"/>
-          </a:fillRef>
-          <a:effectRef idx="0">
-            <a:schemeClr val="accent1"/>
-          </a:effectRef>
-          <a:fontRef idx="minor">
-            <a:schemeClr val="lt1"/>
-          </a:fontRef>
-        </p:style>
-        <p:txBody>
-          <a:bodyPr rtlCol="0" anchor="ctr"/>
-          <a:lstStyle/>
-          <a:p>
-            <a:pPr algn="ctr"/>
-            <a:endParaRPr kumimoji="1" lang="ja-JP" altLang="en-US" dirty="0"/>
-          </a:p>
-        </p:txBody>
-      </p:sp>
-      <p:grpSp>
-        <p:nvGrpSpPr>
-          <p:cNvPr id="34" name="グループ化 33"/>
-          <p:cNvGrpSpPr/>
-          <p:nvPr/>
-        </p:nvGrpSpPr>
-        <p:grpSpPr>
-          <a:xfrm>
-            <a:off x="251973" y="183749"/>
-            <a:ext cx="2211309" cy="541921"/>
-            <a:chOff x="251973" y="183749"/>
-            <a:chExt cx="2879519" cy="597199"/>
-          </a:xfrm>
-        </p:grpSpPr>
-        <p:pic>
-          <p:nvPicPr>
-            <p:cNvPr id="30" name="図 29"/>
-            <p:cNvPicPr>
-              <a:picLocks noChangeAspect="1"/>
-            </p:cNvPicPr>
-            <p:nvPr/>
-          </p:nvPicPr>
-          <p:blipFill>
-            <a:blip r:embed="rId20" cstate="print">
-              <a:extLst>
-                <a:ext uri="{28A0092B-C50C-407E-A947-70E740481C1C}">
-                  <a14:useLocalDpi xmlns:a14="http://schemas.microsoft.com/office/drawing/2010/main" val="0"/>
-                </a:ext>
-              </a:extLst>
-            </a:blip>
-            <a:stretch>
-              <a:fillRect/>
-            </a:stretch>
-          </p:blipFill>
-          <p:spPr>
-            <a:xfrm flipH="1">
-              <a:off x="251973" y="183749"/>
-              <a:ext cx="678590" cy="578498"/>
-            </a:xfrm>
-            <a:prstGeom prst="rect">
-              <a:avLst/>
-            </a:prstGeom>
-          </p:spPr>
-        </p:pic>
-        <p:pic>
-          <p:nvPicPr>
-            <p:cNvPr id="31" name="図 30"/>
-            <p:cNvPicPr>
-              <a:picLocks noChangeAspect="1"/>
-            </p:cNvPicPr>
-            <p:nvPr/>
-          </p:nvPicPr>
-          <p:blipFill>
-            <a:blip r:embed="rId20" cstate="print">
-              <a:extLst>
-                <a:ext uri="{28A0092B-C50C-407E-A947-70E740481C1C}">
-                  <a14:useLocalDpi xmlns:a14="http://schemas.microsoft.com/office/drawing/2010/main" val="0"/>
-                </a:ext>
-              </a:extLst>
-            </a:blip>
-            <a:stretch>
-              <a:fillRect/>
-            </a:stretch>
-          </p:blipFill>
-          <p:spPr>
-            <a:xfrm flipH="1">
-              <a:off x="985616" y="183749"/>
-              <a:ext cx="678590" cy="578498"/>
-            </a:xfrm>
-            <a:prstGeom prst="rect">
-              <a:avLst/>
-            </a:prstGeom>
-          </p:spPr>
-        </p:pic>
-        <p:pic>
-          <p:nvPicPr>
-            <p:cNvPr id="32" name="図 31"/>
-            <p:cNvPicPr>
-              <a:picLocks noChangeAspect="1"/>
-            </p:cNvPicPr>
-            <p:nvPr/>
-          </p:nvPicPr>
-          <p:blipFill>
-            <a:blip r:embed="rId20" cstate="print">
-              <a:extLst>
-                <a:ext uri="{28A0092B-C50C-407E-A947-70E740481C1C}">
-                  <a14:useLocalDpi xmlns:a14="http://schemas.microsoft.com/office/drawing/2010/main" val="0"/>
-                </a:ext>
-              </a:extLst>
-            </a:blip>
-            <a:stretch>
-              <a:fillRect/>
-            </a:stretch>
-          </p:blipFill>
-          <p:spPr>
-            <a:xfrm flipH="1">
-              <a:off x="1719259" y="183749"/>
-              <a:ext cx="678590" cy="578498"/>
-            </a:xfrm>
-            <a:prstGeom prst="rect">
-              <a:avLst/>
-            </a:prstGeom>
-          </p:spPr>
-        </p:pic>
-        <p:pic>
-          <p:nvPicPr>
-            <p:cNvPr id="33" name="図 32"/>
-            <p:cNvPicPr>
-              <a:picLocks noChangeAspect="1"/>
-            </p:cNvPicPr>
-            <p:nvPr/>
-          </p:nvPicPr>
-          <p:blipFill>
-            <a:blip r:embed="rId20" cstate="print">
-              <a:extLst>
-                <a:ext uri="{28A0092B-C50C-407E-A947-70E740481C1C}">
-                  <a14:useLocalDpi xmlns:a14="http://schemas.microsoft.com/office/drawing/2010/main" val="0"/>
-                </a:ext>
-              </a:extLst>
-            </a:blip>
-            <a:stretch>
-              <a:fillRect/>
-            </a:stretch>
-          </p:blipFill>
-          <p:spPr>
-            <a:xfrm flipH="1">
-              <a:off x="2452902" y="202450"/>
-              <a:ext cx="678590" cy="578498"/>
-            </a:xfrm>
-            <a:prstGeom prst="rect">
-              <a:avLst/>
-            </a:prstGeom>
-          </p:spPr>
-        </p:pic>
-      </p:grpSp>
-      <p:sp>
-        <p:nvSpPr>
-          <p:cNvPr id="28" name="テキスト ボックス 27"/>
-          <p:cNvSpPr txBox="1"/>
-          <p:nvPr/>
-        </p:nvSpPr>
-        <p:spPr>
-          <a:xfrm>
-            <a:off x="6120881" y="278555"/>
-            <a:ext cx="2995128" cy="461665"/>
-          </a:xfrm>
-          <a:prstGeom prst="rect">
-            <a:avLst/>
-          </a:prstGeom>
-          <a:solidFill>
-            <a:schemeClr val="accent2">
-              <a:lumMod val="60000"/>
-              <a:lumOff val="40000"/>
-            </a:schemeClr>
-          </a:solidFill>
-        </p:spPr>
-        <p:txBody>
-          <a:bodyPr wrap="square" rtlCol="0">
-            <a:spAutoFit/>
-          </a:bodyPr>
-          <a:lstStyle/>
-          <a:p>
-            <a:pPr algn="ctr"/>
-            <a:r>
-              <a:rPr kumimoji="1" lang="ja-JP" altLang="en-US" sz="2400" dirty="0" smtClean="0"/>
-              <a:t>クリアタイムを競う</a:t>
-            </a:r>
-            <a:endParaRPr kumimoji="1" lang="ja-JP" altLang="en-US" sz="2400" dirty="0"/>
-          </a:p>
-        </p:txBody>
-      </p:sp>
-      <p:sp>
-        <p:nvSpPr>
-          <p:cNvPr id="35" name="テキスト ボックス 34"/>
-          <p:cNvSpPr txBox="1"/>
-          <p:nvPr/>
-        </p:nvSpPr>
-        <p:spPr>
-          <a:xfrm>
-            <a:off x="1075929" y="3132585"/>
-            <a:ext cx="1781879" cy="830997"/>
-          </a:xfrm>
-          <a:prstGeom prst="rect">
-            <a:avLst/>
-          </a:prstGeom>
-          <a:solidFill>
-            <a:schemeClr val="accent2">
-              <a:lumMod val="60000"/>
-              <a:lumOff val="40000"/>
-            </a:schemeClr>
-          </a:solidFill>
-        </p:spPr>
-        <p:txBody>
-          <a:bodyPr wrap="square" rtlCol="0">
-            <a:spAutoFit/>
-          </a:bodyPr>
-          <a:lstStyle/>
-          <a:p>
-            <a:pPr algn="ctr"/>
-            <a:r>
-              <a:rPr lang="ja-JP" altLang="en-US" sz="2400" dirty="0" smtClean="0"/>
-              <a:t>プレイヤー</a:t>
-            </a:r>
-            <a:r>
-              <a:rPr lang="en-US" altLang="ja-JP" sz="2400" dirty="0" smtClean="0"/>
-              <a:t>(</a:t>
-            </a:r>
-            <a:r>
-              <a:rPr lang="ja-JP" altLang="en-US" sz="2400" dirty="0" smtClean="0"/>
-              <a:t>仮</a:t>
-            </a:r>
-            <a:r>
-              <a:rPr lang="en-US" altLang="ja-JP" sz="2400" dirty="0" smtClean="0"/>
-              <a:t>)</a:t>
-            </a:r>
-            <a:endParaRPr kumimoji="1" lang="en-US" altLang="ja-JP" sz="2400" dirty="0" smtClean="0"/>
-          </a:p>
-        </p:txBody>
-      </p:sp>
-      <p:pic>
-        <p:nvPicPr>
-          <p:cNvPr id="9" name="図 8"/>
-          <p:cNvPicPr>
-            <a:picLocks noChangeAspect="1"/>
-          </p:cNvPicPr>
-          <p:nvPr/>
-        </p:nvPicPr>
-        <p:blipFill rotWithShape="1">
-          <a:blip r:embed="rId21" cstate="print">
-            <a:extLst>
-              <a:ext uri="{28A0092B-C50C-407E-A947-70E740481C1C}">
-                <a14:useLocalDpi xmlns:a14="http://schemas.microsoft.com/office/drawing/2010/main" val="0"/>
-              </a:ext>
-            </a:extLst>
-          </a:blip>
-          <a:srcRect r="82173"/>
-          <a:stretch/>
-        </p:blipFill>
-        <p:spPr>
-          <a:xfrm>
-            <a:off x="2175340" y="2832621"/>
-            <a:ext cx="1948107" cy="3069737"/>
-          </a:xfrm>
-          <a:prstGeom prst="rect">
-            <a:avLst/>
-          </a:prstGeom>
-        </p:spPr>
-      </p:pic>
-      <p:sp>
-        <p:nvSpPr>
-          <p:cNvPr id="36" name="テキスト ボックス 35"/>
-          <p:cNvSpPr txBox="1"/>
-          <p:nvPr/>
-        </p:nvSpPr>
-        <p:spPr>
-          <a:xfrm>
-            <a:off x="8697060" y="3529376"/>
-            <a:ext cx="3028391" cy="830997"/>
-          </a:xfrm>
-          <a:prstGeom prst="rect">
-            <a:avLst/>
-          </a:prstGeom>
-          <a:solidFill>
-            <a:schemeClr val="accent2">
-              <a:lumMod val="60000"/>
-              <a:lumOff val="40000"/>
-            </a:schemeClr>
-          </a:solidFill>
-        </p:spPr>
-        <p:txBody>
-          <a:bodyPr wrap="square" rtlCol="0">
-            <a:spAutoFit/>
-          </a:bodyPr>
-          <a:lstStyle/>
-          <a:p>
-            <a:pPr algn="ctr"/>
-            <a:r>
-              <a:rPr lang="ja-JP" altLang="en-US" sz="2400" dirty="0"/>
-              <a:t>トラップ</a:t>
-            </a:r>
-            <a:r>
-              <a:rPr lang="ja-JP" altLang="en-US" sz="2400" dirty="0" smtClean="0"/>
-              <a:t>に当たると</a:t>
-            </a:r>
-            <a:endParaRPr lang="en-US" altLang="ja-JP" sz="2400" dirty="0" smtClean="0"/>
-          </a:p>
-          <a:p>
-            <a:pPr algn="ctr"/>
-            <a:r>
-              <a:rPr lang="ja-JP" altLang="en-US" sz="2400" dirty="0" smtClean="0"/>
-              <a:t>ダメージ</a:t>
-            </a:r>
-            <a:endParaRPr kumimoji="1" lang="en-US" altLang="ja-JP" sz="2400" dirty="0" smtClean="0"/>
-          </a:p>
-        </p:txBody>
-      </p:sp>
-      <p:pic>
-        <p:nvPicPr>
-          <p:cNvPr id="29" name="図 28"/>
-          <p:cNvPicPr>
-            <a:picLocks noChangeAspect="1"/>
-          </p:cNvPicPr>
-          <p:nvPr/>
-        </p:nvPicPr>
-        <p:blipFill rotWithShape="1">
-          <a:blip r:embed="rId22" cstate="print">
-            <a:extLst>
-              <a:ext uri="{28A0092B-C50C-407E-A947-70E740481C1C}">
-                <a14:useLocalDpi xmlns:a14="http://schemas.microsoft.com/office/drawing/2010/main" val="0"/>
-              </a:ext>
-            </a:extLst>
-          </a:blip>
-          <a:srcRect l="27604" t="19307" r="10603" b="2564"/>
-          <a:stretch/>
-        </p:blipFill>
-        <p:spPr>
-          <a:xfrm rot="2091790">
-            <a:off x="9233184" y="3988491"/>
-            <a:ext cx="2076176" cy="1968814"/>
-          </a:xfrm>
-          <a:prstGeom prst="ellipse">
-            <a:avLst/>
-          </a:prstGeom>
-        </p:spPr>
-      </p:pic>
-      <p:sp>
-        <p:nvSpPr>
-          <p:cNvPr id="38" name="テキスト ボックス 37"/>
-          <p:cNvSpPr txBox="1"/>
-          <p:nvPr/>
-        </p:nvSpPr>
-        <p:spPr>
-          <a:xfrm>
-            <a:off x="2639132" y="183749"/>
-            <a:ext cx="2968629" cy="830997"/>
-          </a:xfrm>
-          <a:prstGeom prst="rect">
-            <a:avLst/>
-          </a:prstGeom>
-          <a:solidFill>
-            <a:schemeClr val="accent2">
-              <a:lumMod val="60000"/>
-              <a:lumOff val="40000"/>
-            </a:schemeClr>
-          </a:solidFill>
-        </p:spPr>
-        <p:txBody>
-          <a:bodyPr wrap="square" rtlCol="0">
-            <a:spAutoFit/>
-          </a:bodyPr>
-          <a:lstStyle/>
-          <a:p>
-            <a:pPr algn="ctr"/>
-            <a:r>
-              <a:rPr lang="ja-JP" altLang="en-US" sz="2400" dirty="0"/>
-              <a:t>ライフ</a:t>
-            </a:r>
-            <a:r>
-              <a:rPr lang="ja-JP" altLang="en-US" sz="2400" dirty="0" smtClean="0"/>
-              <a:t>がなくなるとゲームオーバー</a:t>
-            </a:r>
-            <a:endParaRPr kumimoji="1" lang="en-US" altLang="ja-JP" sz="2400" dirty="0" smtClean="0"/>
-          </a:p>
-        </p:txBody>
-      </p:sp>
-      <p:sp>
-        <p:nvSpPr>
-          <p:cNvPr id="41" name="テキスト ボックス 40"/>
-          <p:cNvSpPr txBox="1"/>
-          <p:nvPr/>
-        </p:nvSpPr>
-        <p:spPr>
-          <a:xfrm>
-            <a:off x="5728229" y="5251356"/>
-            <a:ext cx="3238249" cy="830997"/>
-          </a:xfrm>
-          <a:prstGeom prst="rect">
-            <a:avLst/>
-          </a:prstGeom>
-          <a:solidFill>
-            <a:schemeClr val="accent2">
-              <a:lumMod val="60000"/>
-              <a:lumOff val="40000"/>
-            </a:schemeClr>
-          </a:solidFill>
-        </p:spPr>
-        <p:txBody>
-          <a:bodyPr wrap="square" rtlCol="0">
-            <a:spAutoFit/>
-          </a:bodyPr>
-          <a:lstStyle/>
-          <a:p>
-            <a:pPr algn="ctr"/>
-            <a:r>
-              <a:rPr lang="ja-JP" altLang="en-US" sz="2400" dirty="0"/>
-              <a:t>手に</a:t>
-            </a:r>
-            <a:r>
-              <a:rPr lang="ja-JP" altLang="en-US" sz="2400" dirty="0" smtClean="0"/>
-              <a:t>入れたアイテム</a:t>
-            </a:r>
-            <a:endParaRPr lang="en-US" altLang="ja-JP" sz="2400" dirty="0" smtClean="0"/>
-          </a:p>
-          <a:p>
-            <a:pPr algn="ctr"/>
-            <a:r>
-              <a:rPr kumimoji="1" lang="ja-JP" altLang="en-US" sz="2400" dirty="0" smtClean="0"/>
-              <a:t>謎解き等で使う</a:t>
-            </a:r>
-            <a:endParaRPr kumimoji="1" lang="en-US" altLang="ja-JP" sz="2400" dirty="0" smtClean="0"/>
-          </a:p>
-        </p:txBody>
-      </p:sp>
-    </p:spTree>
-    <p:extLst>
-      <p:ext uri="{BB962C8B-B14F-4D97-AF65-F5344CB8AC3E}">
-        <p14:creationId xmlns:p14="http://schemas.microsoft.com/office/powerpoint/2010/main" val="2240624772"/>
-      </p:ext>
-    </p:extLst>
-  </p:cSld>
-  <p:clrMapOvr>
-    <a:masterClrMapping/>
-  </p:clrMapOvr>
-  <p:timing>
-    <p:tnLst>
-      <p:par>
-        <p:cTn id="1" dur="indefinite" restart="never" nodeType="tmRoot"/>
-      </p:par>
-    </p:tnLst>
-  </p:timing>
-</p:sld>
-</file>
-
-<file path=ppt/slides/slide4.xml><?xml version="1.0" encoding="utf-8"?>
-<p:sld xmlns:a="http://schemas.openxmlformats.org/drawingml/2006/main" xmlns:r="http://schemas.openxmlformats.org/officeDocument/2006/relationships" xmlns:p="http://schemas.openxmlformats.org/presentationml/2006/main">
-  <p:cSld>
-    <p:spTree>
-      <p:nvGrpSpPr>
-        <p:cNvPr id="1" name=""/>
-        <p:cNvGrpSpPr/>
-        <p:nvPr/>
-      </p:nvGrpSpPr>
-      <p:grpSpPr>
-        <a:xfrm>
-          <a:off x="0" y="0"/>
-          <a:ext cx="0" cy="0"/>
-          <a:chOff x="0" y="0"/>
-          <a:chExt cx="0" cy="0"/>
-        </a:xfrm>
-      </p:grpSpPr>
-      <p:sp>
-        <p:nvSpPr>
-          <p:cNvPr id="3" name="テキスト ボックス 2"/>
-          <p:cNvSpPr txBox="1"/>
-          <p:nvPr/>
-        </p:nvSpPr>
-        <p:spPr>
-          <a:xfrm>
-            <a:off x="643811" y="498509"/>
-            <a:ext cx="4551866" cy="461665"/>
-          </a:xfrm>
-          <a:prstGeom prst="rect">
-            <a:avLst/>
-          </a:prstGeom>
-          <a:noFill/>
-        </p:spPr>
-        <p:txBody>
-          <a:bodyPr wrap="square" rtlCol="0">
-            <a:spAutoFit/>
-          </a:bodyPr>
-          <a:lstStyle/>
-          <a:p>
-            <a:r>
-              <a:rPr kumimoji="1" lang="ja-JP" altLang="en-US" sz="2400" b="1" dirty="0" smtClean="0"/>
-              <a:t>ブラッシュアップ１</a:t>
-            </a:r>
-            <a:endParaRPr kumimoji="1" lang="ja-JP" altLang="en-US" sz="2400" b="1" dirty="0"/>
-          </a:p>
-        </p:txBody>
-      </p:sp>
-      <p:sp>
-        <p:nvSpPr>
-          <p:cNvPr id="2" name="テキスト ボックス 1"/>
-          <p:cNvSpPr txBox="1"/>
-          <p:nvPr/>
-        </p:nvSpPr>
-        <p:spPr>
-          <a:xfrm>
-            <a:off x="643811" y="1247691"/>
-            <a:ext cx="5008844" cy="369332"/>
-          </a:xfrm>
-          <a:prstGeom prst="rect">
-            <a:avLst/>
-          </a:prstGeom>
-          <a:noFill/>
-        </p:spPr>
-        <p:txBody>
-          <a:bodyPr wrap="square" rtlCol="0">
-            <a:spAutoFit/>
-          </a:bodyPr>
-          <a:lstStyle/>
-          <a:p>
-            <a:r>
-              <a:rPr kumimoji="1" lang="ja-JP" altLang="en-US" dirty="0" smtClean="0"/>
-              <a:t>謎解き継続</a:t>
-            </a:r>
-            <a:r>
-              <a:rPr kumimoji="1" lang="en-US" altLang="ja-JP" dirty="0" smtClean="0"/>
-              <a:t>×</a:t>
-            </a:r>
-            <a:endParaRPr kumimoji="1" lang="ja-JP" altLang="en-US" dirty="0"/>
-          </a:p>
-        </p:txBody>
-      </p:sp>
-      <p:sp>
-        <p:nvSpPr>
-          <p:cNvPr id="4" name="正方形/長方形 3"/>
-          <p:cNvSpPr/>
-          <p:nvPr/>
-        </p:nvSpPr>
-        <p:spPr>
-          <a:xfrm>
-            <a:off x="643811" y="1904540"/>
-            <a:ext cx="4551866" cy="369332"/>
-          </a:xfrm>
-          <a:prstGeom prst="rect">
-            <a:avLst/>
-          </a:prstGeom>
-        </p:spPr>
-        <p:txBody>
-          <a:bodyPr wrap="square">
-            <a:spAutoFit/>
-          </a:bodyPr>
-          <a:lstStyle/>
-          <a:p>
-            <a:pPr marL="285750" lvl="0" indent="-285750">
-              <a:buFont typeface="Arial" panose="020B0604020202020204" pitchFamily="34" charset="0"/>
-              <a:buChar char="•"/>
-            </a:pPr>
-            <a:r>
-              <a:rPr lang="ja-JP" altLang="en-US" dirty="0" smtClean="0">
-                <a:solidFill>
-                  <a:prstClr val="black"/>
-                </a:solidFill>
-              </a:rPr>
-              <a:t>謎を増やす</a:t>
-            </a:r>
-            <a:endParaRPr lang="ja-JP" altLang="en-US" dirty="0">
-              <a:solidFill>
-                <a:prstClr val="black"/>
-              </a:solidFill>
-            </a:endParaRPr>
-          </a:p>
-        </p:txBody>
-      </p:sp>
-      <p:sp>
-        <p:nvSpPr>
-          <p:cNvPr id="9" name="正方形/長方形 8"/>
-          <p:cNvSpPr/>
-          <p:nvPr/>
-        </p:nvSpPr>
-        <p:spPr>
-          <a:xfrm>
-            <a:off x="5961500" y="1904540"/>
-            <a:ext cx="3766458" cy="369332"/>
-          </a:xfrm>
-          <a:prstGeom prst="rect">
-            <a:avLst/>
-          </a:prstGeom>
-        </p:spPr>
-        <p:txBody>
-          <a:bodyPr wrap="square">
-            <a:spAutoFit/>
-          </a:bodyPr>
-          <a:lstStyle/>
-          <a:p>
-            <a:pPr marL="285750" lvl="0" indent="-285750">
-              <a:buFont typeface="Arial" panose="020B0604020202020204" pitchFamily="34" charset="0"/>
-              <a:buChar char="•"/>
-            </a:pPr>
-            <a:r>
-              <a:rPr lang="ja-JP" altLang="en-US" dirty="0" smtClean="0">
-                <a:solidFill>
-                  <a:prstClr val="black"/>
-                </a:solidFill>
-              </a:rPr>
-              <a:t>ランゲーム</a:t>
-            </a:r>
-            <a:endParaRPr lang="en-US" altLang="ja-JP" dirty="0">
-              <a:solidFill>
-                <a:prstClr val="black"/>
-              </a:solidFill>
-            </a:endParaRPr>
-          </a:p>
-        </p:txBody>
-      </p:sp>
-      <p:sp>
-        <p:nvSpPr>
-          <p:cNvPr id="10" name="テキスト ボックス 9"/>
-          <p:cNvSpPr txBox="1"/>
-          <p:nvPr/>
-        </p:nvSpPr>
-        <p:spPr>
-          <a:xfrm>
-            <a:off x="5961500" y="1247691"/>
-            <a:ext cx="5008844" cy="369332"/>
-          </a:xfrm>
-          <a:prstGeom prst="rect">
-            <a:avLst/>
-          </a:prstGeom>
-          <a:noFill/>
-        </p:spPr>
-        <p:txBody>
-          <a:bodyPr wrap="square" rtlCol="0">
-            <a:spAutoFit/>
-          </a:bodyPr>
-          <a:lstStyle/>
-          <a:p>
-            <a:r>
-              <a:rPr kumimoji="1" lang="ja-JP" altLang="en-US" dirty="0" smtClean="0"/>
-              <a:t>謎解き以外★</a:t>
-            </a:r>
-            <a:endParaRPr kumimoji="1" lang="ja-JP" altLang="en-US" dirty="0"/>
-          </a:p>
-        </p:txBody>
-      </p:sp>
-      <p:sp>
-        <p:nvSpPr>
-          <p:cNvPr id="11" name="正方形/長方形 10"/>
-          <p:cNvSpPr/>
-          <p:nvPr/>
-        </p:nvSpPr>
-        <p:spPr>
-          <a:xfrm>
-            <a:off x="5961500" y="3069450"/>
-            <a:ext cx="3766458" cy="646331"/>
-          </a:xfrm>
-          <a:prstGeom prst="rect">
-            <a:avLst/>
-          </a:prstGeom>
-        </p:spPr>
-        <p:txBody>
-          <a:bodyPr wrap="square">
-            <a:spAutoFit/>
-          </a:bodyPr>
-          <a:lstStyle/>
-          <a:p>
-            <a:pPr marL="285750" lvl="0" indent="-285750">
-              <a:buFont typeface="Arial" panose="020B0604020202020204" pitchFamily="34" charset="0"/>
-              <a:buChar char="•"/>
-            </a:pPr>
-            <a:r>
-              <a:rPr lang="ja-JP" altLang="en-US" dirty="0" smtClean="0">
-                <a:solidFill>
-                  <a:prstClr val="black"/>
-                </a:solidFill>
-              </a:rPr>
-              <a:t>ディフェンスゲーム</a:t>
-            </a:r>
-            <a:endParaRPr lang="en-US" altLang="ja-JP" dirty="0">
-              <a:solidFill>
-                <a:prstClr val="black"/>
-              </a:solidFill>
-            </a:endParaRPr>
-          </a:p>
-          <a:p>
-            <a:pPr marL="742950" lvl="1" indent="-285750">
-              <a:buFont typeface="Arial" panose="020B0604020202020204" pitchFamily="34" charset="0"/>
-              <a:buChar char="•"/>
-            </a:pPr>
-            <a:r>
-              <a:rPr lang="ja-JP" altLang="en-US" dirty="0" smtClean="0">
-                <a:solidFill>
-                  <a:prstClr val="black"/>
-                </a:solidFill>
-              </a:rPr>
-              <a:t>タワーディフェンス</a:t>
-            </a:r>
-            <a:endParaRPr lang="en-US" altLang="ja-JP" dirty="0" smtClean="0">
-              <a:solidFill>
-                <a:prstClr val="black"/>
-              </a:solidFill>
-            </a:endParaRPr>
-          </a:p>
-        </p:txBody>
-      </p:sp>
-      <p:sp>
-        <p:nvSpPr>
-          <p:cNvPr id="12" name="正方形/長方形 11"/>
-          <p:cNvSpPr/>
-          <p:nvPr/>
-        </p:nvSpPr>
-        <p:spPr>
-          <a:xfrm>
-            <a:off x="643811" y="2376723"/>
-            <a:ext cx="4551866" cy="369332"/>
-          </a:xfrm>
-          <a:prstGeom prst="rect">
-            <a:avLst/>
-          </a:prstGeom>
-        </p:spPr>
-        <p:txBody>
-          <a:bodyPr wrap="square">
-            <a:spAutoFit/>
-          </a:bodyPr>
-          <a:lstStyle/>
-          <a:p>
-            <a:pPr marL="285750" lvl="0" indent="-285750">
-              <a:buFont typeface="Arial" panose="020B0604020202020204" pitchFamily="34" charset="0"/>
-              <a:buChar char="•"/>
-            </a:pPr>
-            <a:r>
-              <a:rPr lang="ja-JP" altLang="en-US" dirty="0" smtClean="0">
-                <a:solidFill>
-                  <a:prstClr val="black"/>
-                </a:solidFill>
-              </a:rPr>
-              <a:t>謎をランダムにする</a:t>
-            </a:r>
-            <a:endParaRPr lang="ja-JP" altLang="en-US" dirty="0">
-              <a:solidFill>
-                <a:prstClr val="black"/>
-              </a:solidFill>
-            </a:endParaRPr>
-          </a:p>
-        </p:txBody>
-      </p:sp>
-    </p:spTree>
-    <p:extLst>
-      <p:ext uri="{BB962C8B-B14F-4D97-AF65-F5344CB8AC3E}">
-        <p14:creationId xmlns:p14="http://schemas.microsoft.com/office/powerpoint/2010/main" val="264614002"/>
-      </p:ext>
-    </p:extLst>
-  </p:cSld>
-  <p:clrMapOvr>
-    <a:masterClrMapping/>
-  </p:clrMapOvr>
-  <p:timing>
-    <p:tnLst>
-      <p:par>
-        <p:cTn id="1" dur="indefinite" restart="never" nodeType="tmRoot"/>
-      </p:par>
-    </p:tnLst>
-  </p:timing>
-</p:sld>
-</file>
-
-<file path=ppt/slides/slide5.xml><?xml version="1.0" encoding="utf-8"?>
-<p:sld xmlns:a="http://schemas.openxmlformats.org/drawingml/2006/main" xmlns:r="http://schemas.openxmlformats.org/officeDocument/2006/relationships" xmlns:p="http://schemas.openxmlformats.org/presentationml/2006/main">
-  <p:cSld>
-    <p:spTree>
-      <p:nvGrpSpPr>
-        <p:cNvPr id="1" name=""/>
-        <p:cNvGrpSpPr/>
-        <p:nvPr/>
-      </p:nvGrpSpPr>
-      <p:grpSpPr>
-        <a:xfrm>
-          <a:off x="0" y="0"/>
-          <a:ext cx="0" cy="0"/>
-          <a:chOff x="0" y="0"/>
-          <a:chExt cx="0" cy="0"/>
-        </a:xfrm>
-      </p:grpSpPr>
-      <p:sp>
-        <p:nvSpPr>
-          <p:cNvPr id="3" name="テキスト ボックス 2"/>
-          <p:cNvSpPr txBox="1"/>
-          <p:nvPr/>
-        </p:nvSpPr>
-        <p:spPr>
           <a:xfrm>
             <a:off x="643811" y="498509"/>
             <a:ext cx="4551866" cy="461665"/>
@@ -9565,7 +7435,7 @@
 </p:sld>
 </file>
 
-<file path=ppt/slides/slide6.xml><?xml version="1.0" encoding="utf-8"?>
+<file path=ppt/slides/slide3.xml><?xml version="1.0" encoding="utf-8"?>
 <p:sld xmlns:a="http://schemas.openxmlformats.org/drawingml/2006/main" xmlns:r="http://schemas.openxmlformats.org/officeDocument/2006/relationships" xmlns:p="http://schemas.openxmlformats.org/presentationml/2006/main">
   <p:cSld>
     <p:spTree>
